--- a/Elevator환경.pptx
+++ b/Elevator환경.pptx
@@ -2,7 +2,7 @@
 <file path=ppt/presentation.xml><?xml version="1.0" encoding="utf-8"?>
 <p:presentation xmlns:a="http://schemas.openxmlformats.org/drawingml/2006/main" xmlns:r="http://schemas.openxmlformats.org/officeDocument/2006/relationships" xmlns:p="http://schemas.openxmlformats.org/presentationml/2006/main" xmlns:p14="http://schemas.microsoft.com/office/powerpoint/2010/main" saveSubsetFonts="1">
   <p:sldMasterIdLst>
-    <p:sldMasterId id="2147483691" r:id="rId13"/>
+    <p:sldMasterId id="2147483695" r:id="rId13"/>
   </p:sldMasterIdLst>
   <p:sldIdLst>
     <p:sldId id="256" r:id="rId15"/>
@@ -5314,7 +5314,7 @@
         <p:spPr>
           <a:xfrm>
             <a:off x="609600" y="1600200"/>
-            <a:ext cx="10974705" cy="4528185"/>
+            <a:ext cx="10975340" cy="4528820"/>
           </a:xfrm>
           <a:prstGeom prst="rect"/>
         </p:spPr>
@@ -5345,7 +5345,7 @@
                 <a:latin typeface="맑은 고딕" charset="0"/>
                 <a:ea typeface="맑은 고딕" charset="0"/>
               </a:rPr>
-              <a:t>1. 환경적인 요소를 외부에서 컨트롤 할 수 있게 개발한다.</a:t>
+              <a:t>1. 환경적인 요소를 외부에서 설정 할 수 있게 개발한다.</a:t>
             </a:r>
             <a:endParaRPr lang="ko-KR" altLang="en-US" sz="2800" cap="none" dirty="0" smtClean="0" b="0" strike="noStrike">
               <a:solidFill>
@@ -5559,7 +5559,7 @@
                 <a:latin typeface="맑은 고딕" charset="0"/>
                 <a:ea typeface="맑은 고딕" charset="0"/>
               </a:rPr>
-              <a:t>   2-중앙에서 엘레베이터를 컨트롤 하는 단일 에이전트 시스템</a:t>
+              <a:t>   2-중앙에서 모든 엘레베이터를 컨트롤 하는 단일 에이전트 시스템</a:t>
             </a:r>
             <a:endParaRPr lang="ko-KR" altLang="en-US" sz="2000" cap="none" dirty="0" smtClean="0" b="0" strike="noStrike">
               <a:solidFill>
@@ -7778,7 +7778,7 @@
 </file>
 
 <file path=ppt/slides/slide4.xml><?xml version="1.0" encoding="utf-8"?>
-<p:sld xmlns:a="http://schemas.openxmlformats.org/drawingml/2006/main" xmlns:r="http://schemas.openxmlformats.org/officeDocument/2006/relationships" xmlns:p="http://schemas.openxmlformats.org/presentationml/2006/main">
+<p:sld xmlns:a="http://schemas.openxmlformats.org/drawingml/2006/main" xmlns:r="http://schemas.openxmlformats.org/officeDocument/2006/relationships" xmlns:p="http://schemas.openxmlformats.org/presentationml/2006/main" xmlns:p14="http://schemas.microsoft.com/office/powerpoint/2010/main">
   <p:cSld>
     <p:spTree>
       <p:nvGrpSpPr>
@@ -7863,12 +7863,12 @@
         <p:spPr>
           <a:xfrm rot="0">
             <a:off x="609600" y="1600200"/>
-            <a:ext cx="10974070" cy="4527550"/>
+            <a:ext cx="10974705" cy="4528185"/>
           </a:xfrm>
           <a:prstGeom prst="rect"/>
         </p:spPr>
         <p:txBody>
-          <a:bodyPr wrap="square" lIns="91440" tIns="45720" rIns="91440" bIns="45720" vert="horz" anchor="t">
+          <a:bodyPr wrap="square" lIns="91440" tIns="45720" rIns="91440" bIns="45720" numCol="1" vert="horz" anchor="t">
             <a:normAutofit fontScale="100000" lnSpcReduction="0"/>
           </a:bodyPr>
           <a:lstStyle/>
@@ -7926,7 +7926,7 @@
                 <a:latin typeface="맑은 고딕" charset="0"/>
                 <a:ea typeface="맑은 고딕" charset="0"/>
               </a:rPr>
-              <a:t>2. 엘레베이터 방향을 마음대로 바꿀 수 없다.</a:t>
+              <a:t>2. 엘레베이터 이동중에 방향을 마음대로 바꿀 수 없다.</a:t>
             </a:r>
             <a:endParaRPr lang="ko-KR" altLang="en-US" sz="2800" cap="none" dirty="0" smtClean="0" b="0" strike="noStrike">
               <a:solidFill>
@@ -8024,6 +8024,28 @@
               </a:rPr>
               <a:t>5. 문이 열기거나 닫히는 중에서는 움직이지  못한다.</a:t>
             </a:r>
+            <a:endParaRPr lang="ko-KR" altLang="en-US" sz="2800" cap="none" dirty="0" smtClean="0" b="0" strike="noStrike">
+              <a:solidFill>
+                <a:schemeClr val="tx1"/>
+              </a:solidFill>
+              <a:latin typeface="맑은 고딕" charset="0"/>
+              <a:ea typeface="맑은 고딕" charset="0"/>
+            </a:endParaRPr>
+          </a:p>
+          <a:p>
+            <a:pPr marL="0" indent="0" algn="l" fontAlgn="auto" defTabSz="508000" eaLnBrk="0">
+              <a:lnSpc>
+                <a:spcPct val="90000"/>
+              </a:lnSpc>
+              <a:spcBef>
+                <a:spcPts val="0"/>
+              </a:spcBef>
+              <a:spcAft>
+                <a:spcPts val="0"/>
+              </a:spcAft>
+              <a:buFontTx/>
+              <a:buNone/>
+            </a:pPr>
             <a:endParaRPr lang="ko-KR" altLang="en-US" sz="2800" cap="none" dirty="0" smtClean="0" b="0" strike="noStrike">
               <a:solidFill>
                 <a:schemeClr val="tx1"/>
@@ -8091,6 +8113,13 @@
       <p:transition spd="slow"/>
     </mc:Fallback>
   </mc:AlternateContent>
+  <p:timing>
+    <p:tnLst>
+      <p:par>
+        <p:cTn id="1" dur="indefinite" restart="never" nodeType="tmRoot"/>
+      </p:par>
+    </p:tnLst>
+  </p:timing>
 </p:sld>
 </file>
 
@@ -8181,221 +8210,16 @@
           </a:p>
         </p:txBody>
       </p:sp>
-      <p:sp>
-        <p:nvSpPr>
-          <p:cNvPr id="4" name="텍스트 상자 3"/>
-          <p:cNvSpPr txBox="1">
-            <a:spLocks/>
-          </p:cNvSpPr>
-          <p:nvPr/>
-        </p:nvSpPr>
-        <p:spPr>
-          <a:xfrm rot="0">
-            <a:off x="-70485" y="4287520"/>
-            <a:ext cx="7926705" cy="1938655"/>
-          </a:xfrm>
-          <a:prstGeom prst="rect"/>
-          <a:noFill/>
-        </p:spPr>
-        <p:txBody>
-          <a:bodyPr wrap="square" lIns="0" tIns="0" rIns="0" bIns="0" vert="horz" anchor="t">
-            <a:noAutofit/>
-          </a:bodyPr>
-          <a:lstStyle/>
-          <a:p>
-            <a:pPr marL="0" indent="0" algn="l" fontAlgn="auto" defTabSz="508000">
-              <a:lnSpc>
-                <a:spcPct val="100000"/>
-              </a:lnSpc>
-              <a:spcBef>
-                <a:spcPts val="0"/>
-              </a:spcBef>
-              <a:spcAft>
-                <a:spcPts val="0"/>
-              </a:spcAft>
-              <a:buFontTx/>
-              <a:buNone/>
-            </a:pPr>
-            <a:r>
-              <a:rPr lang="en-US" altLang="ko-KR" sz="1800" cap="none" dirty="0" smtClean="0" b="0" strike="noStrike">
-                <a:latin typeface="맑은 고딕" charset="0"/>
-                <a:ea typeface="맑은 고딕" charset="0"/>
-              </a:rPr>
-              <a:t>        Ready,          //문닫고 멈춰있는 상태</a:t>
-            </a:r>
-            <a:endParaRPr lang="ko-KR" altLang="en-US" sz="1800" cap="none" dirty="0" smtClean="0" b="0" strike="noStrike">
-              <a:latin typeface="맑은 고딕" charset="0"/>
-              <a:ea typeface="맑은 고딕" charset="0"/>
-            </a:endParaRPr>
-          </a:p>
-          <a:p>
-            <a:pPr marL="0" indent="0" algn="l" fontAlgn="auto" defTabSz="508000">
-              <a:lnSpc>
-                <a:spcPct val="100000"/>
-              </a:lnSpc>
-              <a:spcBef>
-                <a:spcPts val="0"/>
-              </a:spcBef>
-              <a:spcAft>
-                <a:spcPts val="0"/>
-              </a:spcAft>
-              <a:buFontTx/>
-              <a:buNone/>
-            </a:pPr>
-            <a:r>
-              <a:rPr lang="en-US" altLang="ko-KR" sz="1800" cap="none" dirty="0" smtClean="0" b="0" strike="noStrike">
-                <a:latin typeface="맑은 고딕" charset="0"/>
-                <a:ea typeface="맑은 고딕" charset="0"/>
-              </a:rPr>
-              <a:t>        NormalMove,     //위아래 어느쪽이든 정상적인 이동상태</a:t>
-            </a:r>
-            <a:endParaRPr lang="ko-KR" altLang="en-US" sz="1800" cap="none" dirty="0" smtClean="0" b="0" strike="noStrike">
-              <a:latin typeface="맑은 고딕" charset="0"/>
-              <a:ea typeface="맑은 고딕" charset="0"/>
-            </a:endParaRPr>
-          </a:p>
-          <a:p>
-            <a:pPr marL="0" indent="0" algn="l" fontAlgn="auto" defTabSz="508000">
-              <a:lnSpc>
-                <a:spcPct val="100000"/>
-              </a:lnSpc>
-              <a:spcBef>
-                <a:spcPts val="0"/>
-              </a:spcBef>
-              <a:spcAft>
-                <a:spcPts val="0"/>
-              </a:spcAft>
-              <a:buFontTx/>
-              <a:buNone/>
-            </a:pPr>
-            <a:r>
-              <a:rPr lang="en-US" altLang="ko-KR" sz="1800" cap="none" dirty="0" smtClean="0" b="0" strike="noStrike">
-                <a:latin typeface="맑은 고딕" charset="0"/>
-                <a:ea typeface="맑은 고딕" charset="0"/>
-              </a:rPr>
-              <a:t>        Decelerate,     //다음층에 멈추기 위한 감속상태</a:t>
-            </a:r>
-            <a:endParaRPr lang="ko-KR" altLang="en-US" sz="1800" cap="none" dirty="0" smtClean="0" b="0" strike="noStrike">
-              <a:latin typeface="맑은 고딕" charset="0"/>
-              <a:ea typeface="맑은 고딕" charset="0"/>
-            </a:endParaRPr>
-          </a:p>
-          <a:p>
-            <a:pPr marL="0" indent="0" algn="l" fontAlgn="auto" defTabSz="508000">
-              <a:lnSpc>
-                <a:spcPct val="100000"/>
-              </a:lnSpc>
-              <a:spcBef>
-                <a:spcPts val="0"/>
-              </a:spcBef>
-              <a:spcAft>
-                <a:spcPts val="0"/>
-              </a:spcAft>
-              <a:buFontTx/>
-              <a:buNone/>
-            </a:pPr>
-            <a:r>
-              <a:rPr lang="en-US" altLang="ko-KR" sz="1800" cap="none" dirty="0" smtClean="0" b="0" strike="noStrike">
-                <a:latin typeface="맑은 고딕" charset="0"/>
-                <a:ea typeface="맑은 고딕" charset="0"/>
-              </a:rPr>
-              <a:t>        DoorOpening,    //문열는중</a:t>
-            </a:r>
-            <a:endParaRPr lang="ko-KR" altLang="en-US" sz="1800" cap="none" dirty="0" smtClean="0" b="0" strike="noStrike">
-              <a:latin typeface="맑은 고딕" charset="0"/>
-              <a:ea typeface="맑은 고딕" charset="0"/>
-            </a:endParaRPr>
-          </a:p>
-          <a:p>
-            <a:pPr marL="0" indent="0" algn="l" fontAlgn="auto" defTabSz="508000">
-              <a:lnSpc>
-                <a:spcPct val="100000"/>
-              </a:lnSpc>
-              <a:spcBef>
-                <a:spcPts val="0"/>
-              </a:spcBef>
-              <a:spcAft>
-                <a:spcPts val="0"/>
-              </a:spcAft>
-              <a:buFontTx/>
-              <a:buNone/>
-            </a:pPr>
-            <a:r>
-              <a:rPr lang="en-US" altLang="ko-KR" sz="1800" cap="none" dirty="0" smtClean="0" b="0" strike="noStrike">
-                <a:latin typeface="맑은 고딕" charset="0"/>
-                <a:ea typeface="맑은 고딕" charset="0"/>
-              </a:rPr>
-              <a:t>        DoorOpened,     //문열린 상태에서 승객내리고 타고</a:t>
-            </a:r>
-            <a:endParaRPr lang="ko-KR" altLang="en-US" sz="1800" cap="none" dirty="0" smtClean="0" b="0" strike="noStrike">
-              <a:latin typeface="맑은 고딕" charset="0"/>
-              <a:ea typeface="맑은 고딕" charset="0"/>
-            </a:endParaRPr>
-          </a:p>
-          <a:p>
-            <a:pPr marL="0" indent="0" algn="l" fontAlgn="auto" defTabSz="508000">
-              <a:lnSpc>
-                <a:spcPct val="100000"/>
-              </a:lnSpc>
-              <a:spcBef>
-                <a:spcPts val="0"/>
-              </a:spcBef>
-              <a:spcAft>
-                <a:spcPts val="0"/>
-              </a:spcAft>
-              <a:buFontTx/>
-              <a:buNone/>
-            </a:pPr>
-            <a:r>
-              <a:rPr lang="en-US" altLang="ko-KR" sz="1800" cap="none" dirty="0" smtClean="0" b="0" strike="noStrike">
-                <a:latin typeface="맑은 고딕" charset="0"/>
-                <a:ea typeface="맑은 고딕" charset="0"/>
-              </a:rPr>
-              <a:t>        DoorClosing,    //문닫히는 동안.</a:t>
-            </a:r>
-            <a:endParaRPr lang="ko-KR" altLang="en-US" sz="1800" cap="none" dirty="0" smtClean="0" b="0" strike="noStrike">
-              <a:latin typeface="맑은 고딕" charset="0"/>
-              <a:ea typeface="맑은 고딕" charset="0"/>
-            </a:endParaRPr>
-          </a:p>
-          <a:p>
-            <a:pPr marL="0" indent="0" algn="l" fontAlgn="auto" defTabSz="508000">
-              <a:lnSpc>
-                <a:spcPct val="100000"/>
-              </a:lnSpc>
-              <a:spcBef>
-                <a:spcPts val="0"/>
-              </a:spcBef>
-              <a:spcAft>
-                <a:spcPts val="0"/>
-              </a:spcAft>
-              <a:buFontTx/>
-              <a:buNone/>
-            </a:pPr>
-            <a:r>
-              <a:rPr lang="en-US" altLang="ko-KR" sz="1800" cap="none" dirty="0" smtClean="0" b="0" strike="noStrike">
-                <a:latin typeface="맑은 고딕" charset="0"/>
-                <a:ea typeface="맑은 고딕" charset="0"/>
-              </a:rPr>
-              <a:t>        Accelate,       //이동에 대한 가속상태</a:t>
-            </a:r>
-            <a:endParaRPr lang="ko-KR" altLang="en-US" sz="1800" cap="none" dirty="0" smtClean="0" b="0" strike="noStrike">
-              <a:latin typeface="맑은 고딕" charset="0"/>
-              <a:ea typeface="맑은 고딕" charset="0"/>
-            </a:endParaRPr>
-          </a:p>
-        </p:txBody>
-      </p:sp>
       <p:pic>
         <p:nvPicPr>
-          <p:cNvPr id="5" name="그림 4" descr="C:/Users/hjy/AppData/Roaming/PolarisOffice/ETemp/10252_1429312/fImage3765610041.png"/>
+          <p:cNvPr id="5" name="그림 4" descr="C:/Users/hjy/AppData/Roaming/PolarisOffice/ETemp/17800_10991464/fImage405476041.png"/>
           <p:cNvPicPr>
             <a:picLocks noChangeAspect="1"/>
           </p:cNvPicPr>
           <p:nvPr/>
         </p:nvPicPr>
         <p:blipFill rotWithShape="1">
-          <a:blip r:embed="rId3">
+          <a:blip r:embed="rId4">
             <a:extLst>
               <a:ext uri="{28A0092B-C50C-407E-A947-70E740481C1C}">
                 <a14:useLocalDpi xmlns:a14="http://schemas.microsoft.com/office/drawing/2010/main" val="0"/>
@@ -8408,13 +8232,1523 @@
         </p:blipFill>
         <p:spPr>
           <a:xfrm rot="0">
-            <a:off x="518160" y="1340485"/>
-            <a:ext cx="5425440" cy="2584450"/>
+            <a:off x="609600" y="1360805"/>
+            <a:ext cx="5629910" cy="2546350"/>
           </a:xfrm>
           <a:prstGeom prst="rect"/>
           <a:noFill/>
         </p:spPr>
       </p:pic>
+      <p:graphicFrame>
+        <p:nvGraphicFramePr>
+          <p:cNvPr id="7" name="표 6"/>
+          <p:cNvGraphicFramePr>
+            <a:graphicFrameLocks noGrp="1"/>
+          </p:cNvGraphicFramePr>
+          <p:nvPr/>
+        </p:nvGraphicFramePr>
+        <p:xfrm>
+          <a:off x="640080" y="4211320"/>
+          <a:ext cx="6335395" cy="1895475"/>
+        </p:xfrm>
+        <a:graphic>
+          <a:graphicData uri="http://schemas.openxmlformats.org/drawingml/2006/table">
+            <a:tbl>
+              <a:tblPr>
+                <a:tableStyleId>{00000000-0000-0000-0000-000000000000}</a:tableStyleId>
+              </a:tblPr>
+              <a:tblGrid>
+                <a:gridCol w="2250440"/>
+                <a:gridCol w="4084955"/>
+              </a:tblGrid>
+              <a:tr h="219075">
+                <a:tc>
+                  <a:txBody>
+                    <a:bodyPr/>
+                    <a:lstStyle/>
+                    <a:p>
+                      <a:pPr marL="0" indent="0" algn="ctr" fontAlgn="auto" defTabSz="508000">
+                        <a:lnSpc>
+                          <a:spcPct val="100000"/>
+                        </a:lnSpc>
+                        <a:spcBef>
+                          <a:spcPts val="0"/>
+                        </a:spcBef>
+                        <a:spcAft>
+                          <a:spcPts val="0"/>
+                        </a:spcAft>
+                        <a:buFontTx/>
+                        <a:buNone/>
+                      </a:pPr>
+                      <a:r>
+                        <a:rPr lang="en-US" altLang="ko-KR" sz="1200" kern="1200" cap="none" dirty="0" smtClean="0" b="0" strike="noStrike">
+                          <a:solidFill>
+                            <a:srgbClr val="000000"/>
+                          </a:solidFill>
+                          <a:latin typeface="맑은 고딕" charset="0"/>
+                          <a:ea typeface="맑은 고딕" charset="0"/>
+                        </a:rPr>
+                        <a:t>상태</a:t>
+                      </a:r>
+                      <a:endParaRPr lang="ko-KR" altLang="en-US" sz="1200" kern="1200" dirty="0" smtClean="0" cap="none" b="0" strike="noStrike">
+                        <a:solidFill>
+                          <a:srgbClr val="000000"/>
+                        </a:solidFill>
+                        <a:latin typeface="맑은 고딕" charset="0"/>
+                        <a:ea typeface="맑은 고딕" charset="0"/>
+                      </a:endParaRPr>
+                    </a:p>
+                  </a:txBody>
+                  <a:tcPr marL="0" marR="0" marT="0" marB="0" anchor="ctr">
+                    <a:lnL w="6350" cap="flat" cmpd="sng" algn="ctr">
+                      <a:solidFill>
+                        <a:srgbClr val="000000">
+                          <a:alpha val="100000"/>
+                        </a:srgbClr>
+                      </a:solidFill>
+                      <a:prstDash val="solid"/>
+                      <a:round/>
+                      <a:headEnd type="none" w="med" len="med"/>
+                      <a:tailEnd type="none" w="med" len="med"/>
+                    </a:lnL>
+                    <a:lnR w="6350" cap="flat" cmpd="sng" algn="ctr">
+                      <a:solidFill>
+                        <a:srgbClr val="000000">
+                          <a:alpha val="100000"/>
+                        </a:srgbClr>
+                      </a:solidFill>
+                      <a:prstDash val="solid"/>
+                      <a:round/>
+                      <a:headEnd type="none" w="med" len="med"/>
+                      <a:tailEnd type="none" w="med" len="med"/>
+                    </a:lnR>
+                    <a:lnT w="6350" cap="flat" cmpd="sng" algn="ctr">
+                      <a:solidFill>
+                        <a:srgbClr val="000000">
+                          <a:alpha val="100000"/>
+                        </a:srgbClr>
+                      </a:solidFill>
+                      <a:prstDash val="solid"/>
+                      <a:round/>
+                      <a:headEnd type="none" w="med" len="med"/>
+                      <a:tailEnd type="none" w="med" len="med"/>
+                    </a:lnT>
+                    <a:lnB w="6350" cap="flat" cmpd="sng" algn="ctr">
+                      <a:solidFill>
+                        <a:srgbClr val="000000">
+                          <a:alpha val="100000"/>
+                        </a:srgbClr>
+                      </a:solidFill>
+                      <a:prstDash val="solid"/>
+                      <a:round/>
+                      <a:headEnd type="none" w="med" len="med"/>
+                      <a:tailEnd type="none" w="med" len="med"/>
+                    </a:lnB>
+                    <a:solidFill>
+                      <a:srgbClr val="B8CCE4"/>
+                    </a:solidFill>
+                  </a:tcPr>
+                </a:tc>
+                <a:tc>
+                  <a:txBody>
+                    <a:bodyPr/>
+                    <a:lstStyle/>
+                    <a:p>
+                      <a:pPr marL="0" indent="0" algn="ctr" fontAlgn="auto" defTabSz="508000">
+                        <a:lnSpc>
+                          <a:spcPct val="100000"/>
+                        </a:lnSpc>
+                        <a:spcBef>
+                          <a:spcPts val="0"/>
+                        </a:spcBef>
+                        <a:spcAft>
+                          <a:spcPts val="0"/>
+                        </a:spcAft>
+                        <a:buFontTx/>
+                        <a:buNone/>
+                      </a:pPr>
+                      <a:r>
+                        <a:rPr lang="en-US" altLang="ko-KR" sz="1200" kern="1200" cap="none" dirty="0" smtClean="0" b="0" strike="noStrike">
+                          <a:solidFill>
+                            <a:srgbClr val="000000"/>
+                          </a:solidFill>
+                          <a:latin typeface="맑은 고딕" charset="0"/>
+                          <a:ea typeface="맑은 고딕" charset="0"/>
+                        </a:rPr>
+                        <a:t>설명</a:t>
+                      </a:r>
+                      <a:endParaRPr lang="ko-KR" altLang="en-US" sz="1200" kern="1200" dirty="0" smtClean="0" cap="none" b="0" strike="noStrike">
+                        <a:solidFill>
+                          <a:srgbClr val="000000"/>
+                        </a:solidFill>
+                        <a:latin typeface="맑은 고딕" charset="0"/>
+                        <a:ea typeface="맑은 고딕" charset="0"/>
+                      </a:endParaRPr>
+                    </a:p>
+                  </a:txBody>
+                  <a:tcPr marL="0" marR="0" marT="0" marB="0" anchor="ctr">
+                    <a:lnL w="0" cap="flat" cmpd="sng" algn="ctr">
+                      <a:noFill/>
+                      <a:prstDash/>
+                      <a:round/>
+                      <a:headEnd type="none" w="med" len="med"/>
+                      <a:tailEnd type="none" w="med" len="med"/>
+                    </a:lnL>
+                    <a:lnR w="6350" cap="flat" cmpd="sng" algn="ctr">
+                      <a:solidFill>
+                        <a:srgbClr val="000000">
+                          <a:alpha val="100000"/>
+                        </a:srgbClr>
+                      </a:solidFill>
+                      <a:prstDash val="solid"/>
+                      <a:round/>
+                      <a:headEnd type="none" w="med" len="med"/>
+                      <a:tailEnd type="none" w="med" len="med"/>
+                    </a:lnR>
+                    <a:lnT w="6350" cap="flat" cmpd="sng" algn="ctr">
+                      <a:solidFill>
+                        <a:srgbClr val="000000">
+                          <a:alpha val="100000"/>
+                        </a:srgbClr>
+                      </a:solidFill>
+                      <a:prstDash val="solid"/>
+                      <a:round/>
+                      <a:headEnd type="none" w="med" len="med"/>
+                      <a:tailEnd type="none" w="med" len="med"/>
+                    </a:lnT>
+                    <a:lnB w="6350" cap="flat" cmpd="sng" algn="ctr">
+                      <a:solidFill>
+                        <a:srgbClr val="000000">
+                          <a:alpha val="100000"/>
+                        </a:srgbClr>
+                      </a:solidFill>
+                      <a:prstDash val="solid"/>
+                      <a:round/>
+                      <a:headEnd type="none" w="med" len="med"/>
+                      <a:tailEnd type="none" w="med" len="med"/>
+                    </a:lnB>
+                    <a:solidFill>
+                      <a:srgbClr val="B8CCE4"/>
+                    </a:solidFill>
+                  </a:tcPr>
+                </a:tc>
+              </a:tr>
+              <a:tr h="209550">
+                <a:tc>
+                  <a:txBody>
+                    <a:bodyPr/>
+                    <a:lstStyle/>
+                    <a:p>
+                      <a:pPr marL="0" indent="0" algn="ctr" fontAlgn="auto" defTabSz="508000">
+                        <a:lnSpc>
+                          <a:spcPct val="100000"/>
+                        </a:lnSpc>
+                        <a:spcBef>
+                          <a:spcPts val="0"/>
+                        </a:spcBef>
+                        <a:spcAft>
+                          <a:spcPts val="0"/>
+                        </a:spcAft>
+                        <a:buFontTx/>
+                        <a:buNone/>
+                      </a:pPr>
+                      <a:r>
+                        <a:rPr lang="en-US" altLang="ko-KR" sz="1100" kern="1200" cap="none" dirty="0" smtClean="0" b="0" strike="noStrike">
+                          <a:solidFill>
+                            <a:srgbClr val="000000"/>
+                          </a:solidFill>
+                          <a:latin typeface="맑은 고딕" charset="0"/>
+                          <a:ea typeface="맑은 고딕" charset="0"/>
+                        </a:rPr>
+                        <a:t>Ready,       </a:t>
+                      </a:r>
+                      <a:endParaRPr lang="ko-KR" altLang="en-US" sz="1100" kern="1200" dirty="0" smtClean="0" cap="none" b="0" strike="noStrike">
+                        <a:solidFill>
+                          <a:srgbClr val="000000"/>
+                        </a:solidFill>
+                        <a:latin typeface="맑은 고딕" charset="0"/>
+                        <a:ea typeface="맑은 고딕" charset="0"/>
+                      </a:endParaRPr>
+                    </a:p>
+                  </a:txBody>
+                  <a:tcPr marL="0" marR="0" marT="0" marB="0" anchor="ctr">
+                    <a:lnL w="6350" cap="flat" cmpd="sng" algn="ctr">
+                      <a:solidFill>
+                        <a:srgbClr val="000000">
+                          <a:alpha val="100000"/>
+                        </a:srgbClr>
+                      </a:solidFill>
+                      <a:prstDash val="solid"/>
+                      <a:round/>
+                      <a:headEnd type="none" w="med" len="med"/>
+                      <a:tailEnd type="none" w="med" len="med"/>
+                    </a:lnL>
+                    <a:lnR w="6350" cap="flat" cmpd="sng" algn="ctr">
+                      <a:solidFill>
+                        <a:srgbClr val="000000">
+                          <a:alpha val="100000"/>
+                        </a:srgbClr>
+                      </a:solidFill>
+                      <a:prstDash val="solid"/>
+                      <a:round/>
+                      <a:headEnd type="none" w="med" len="med"/>
+                      <a:tailEnd type="none" w="med" len="med"/>
+                    </a:lnR>
+                    <a:lnT w="0" cap="flat" cmpd="sng" algn="ctr">
+                      <a:noFill/>
+                      <a:prstDash/>
+                      <a:round/>
+                      <a:headEnd type="none" w="med" len="med"/>
+                      <a:tailEnd type="none" w="med" len="med"/>
+                    </a:lnT>
+                    <a:lnB w="6350" cap="flat" cmpd="sng" algn="ctr">
+                      <a:solidFill>
+                        <a:srgbClr val="000000">
+                          <a:alpha val="100000"/>
+                        </a:srgbClr>
+                      </a:solidFill>
+                      <a:prstDash val="solid"/>
+                      <a:round/>
+                      <a:headEnd type="none" w="med" len="med"/>
+                      <a:tailEnd type="none" w="med" len="med"/>
+                    </a:lnB>
+                    <a:solidFill>
+                      <a:srgbClr val="DCE6F1"/>
+                    </a:solidFill>
+                  </a:tcPr>
+                </a:tc>
+                <a:tc>
+                  <a:txBody>
+                    <a:bodyPr/>
+                    <a:lstStyle/>
+                    <a:p>
+                      <a:pPr marL="0" indent="0" algn="l" fontAlgn="auto" defTabSz="508000">
+                        <a:lnSpc>
+                          <a:spcPct val="100000"/>
+                        </a:lnSpc>
+                        <a:spcBef>
+                          <a:spcPts val="0"/>
+                        </a:spcBef>
+                        <a:spcAft>
+                          <a:spcPts val="0"/>
+                        </a:spcAft>
+                        <a:buFontTx/>
+                        <a:buNone/>
+                      </a:pPr>
+                      <a:r>
+                        <a:rPr lang="en-US" altLang="ko-KR" sz="1100" kern="1200" cap="none" dirty="0" smtClean="0" b="0" strike="noStrike">
+                          <a:solidFill>
+                            <a:srgbClr val="000000"/>
+                          </a:solidFill>
+                          <a:latin typeface="맑은 고딕" charset="0"/>
+                          <a:ea typeface="맑은 고딕" charset="0"/>
+                        </a:rPr>
+                        <a:t>문닫고 멈춰있는 상태</a:t>
+                      </a:r>
+                      <a:endParaRPr lang="ko-KR" altLang="en-US" sz="1100" kern="1200" dirty="0" smtClean="0" cap="none" b="0" strike="noStrike">
+                        <a:solidFill>
+                          <a:srgbClr val="000000"/>
+                        </a:solidFill>
+                        <a:latin typeface="맑은 고딕" charset="0"/>
+                        <a:ea typeface="맑은 고딕" charset="0"/>
+                      </a:endParaRPr>
+                    </a:p>
+                  </a:txBody>
+                  <a:tcPr marL="0" marR="0" marT="0" marB="0" anchor="ctr">
+                    <a:lnL w="0" cap="flat" cmpd="sng" algn="ctr">
+                      <a:noFill/>
+                      <a:prstDash/>
+                      <a:round/>
+                      <a:headEnd type="none" w="med" len="med"/>
+                      <a:tailEnd type="none" w="med" len="med"/>
+                    </a:lnL>
+                    <a:lnR w="6350" cap="flat" cmpd="sng" algn="ctr">
+                      <a:solidFill>
+                        <a:srgbClr val="000000">
+                          <a:alpha val="100000"/>
+                        </a:srgbClr>
+                      </a:solidFill>
+                      <a:prstDash val="solid"/>
+                      <a:round/>
+                      <a:headEnd type="none" w="med" len="med"/>
+                      <a:tailEnd type="none" w="med" len="med"/>
+                    </a:lnR>
+                    <a:lnT w="0" cap="flat" cmpd="sng" algn="ctr">
+                      <a:noFill/>
+                      <a:prstDash/>
+                      <a:round/>
+                      <a:headEnd type="none" w="med" len="med"/>
+                      <a:tailEnd type="none" w="med" len="med"/>
+                    </a:lnT>
+                    <a:lnB w="6350" cap="flat" cmpd="sng" algn="ctr">
+                      <a:solidFill>
+                        <a:srgbClr val="000000">
+                          <a:alpha val="100000"/>
+                        </a:srgbClr>
+                      </a:solidFill>
+                      <a:prstDash val="solid"/>
+                      <a:round/>
+                      <a:headEnd type="none" w="med" len="med"/>
+                      <a:tailEnd type="none" w="med" len="med"/>
+                    </a:lnB>
+                    <a:solidFill>
+                      <a:srgbClr val="DCE6F1"/>
+                    </a:solidFill>
+                  </a:tcPr>
+                </a:tc>
+              </a:tr>
+              <a:tr h="209550">
+                <a:tc>
+                  <a:txBody>
+                    <a:bodyPr/>
+                    <a:lstStyle/>
+                    <a:p>
+                      <a:pPr marL="0" indent="0" algn="ctr" fontAlgn="auto" defTabSz="508000">
+                        <a:lnSpc>
+                          <a:spcPct val="100000"/>
+                        </a:lnSpc>
+                        <a:spcBef>
+                          <a:spcPts val="0"/>
+                        </a:spcBef>
+                        <a:spcAft>
+                          <a:spcPts val="0"/>
+                        </a:spcAft>
+                        <a:buFontTx/>
+                        <a:buNone/>
+                      </a:pPr>
+                      <a:r>
+                        <a:rPr lang="en-US" altLang="ko-KR" sz="1100" kern="1200" cap="none" dirty="0" smtClean="0" b="0" strike="noStrike">
+                          <a:solidFill>
+                            <a:srgbClr val="000000"/>
+                          </a:solidFill>
+                          <a:latin typeface="맑은 고딕" charset="0"/>
+                          <a:ea typeface="맑은 고딕" charset="0"/>
+                        </a:rPr>
+                        <a:t>NormalMove,  </a:t>
+                      </a:r>
+                      <a:endParaRPr lang="ko-KR" altLang="en-US" sz="1100" kern="1200" dirty="0" smtClean="0" cap="none" b="0" strike="noStrike">
+                        <a:solidFill>
+                          <a:srgbClr val="000000"/>
+                        </a:solidFill>
+                        <a:latin typeface="맑은 고딕" charset="0"/>
+                        <a:ea typeface="맑은 고딕" charset="0"/>
+                      </a:endParaRPr>
+                    </a:p>
+                  </a:txBody>
+                  <a:tcPr marL="0" marR="0" marT="0" marB="0" anchor="ctr">
+                    <a:lnL w="6350" cap="flat" cmpd="sng" algn="ctr">
+                      <a:solidFill>
+                        <a:srgbClr val="000000">
+                          <a:alpha val="100000"/>
+                        </a:srgbClr>
+                      </a:solidFill>
+                      <a:prstDash val="solid"/>
+                      <a:round/>
+                      <a:headEnd type="none" w="med" len="med"/>
+                      <a:tailEnd type="none" w="med" len="med"/>
+                    </a:lnL>
+                    <a:lnR w="6350" cap="flat" cmpd="sng" algn="ctr">
+                      <a:solidFill>
+                        <a:srgbClr val="000000">
+                          <a:alpha val="100000"/>
+                        </a:srgbClr>
+                      </a:solidFill>
+                      <a:prstDash val="solid"/>
+                      <a:round/>
+                      <a:headEnd type="none" w="med" len="med"/>
+                      <a:tailEnd type="none" w="med" len="med"/>
+                    </a:lnR>
+                    <a:lnT w="0" cap="flat" cmpd="sng" algn="ctr">
+                      <a:noFill/>
+                      <a:prstDash/>
+                      <a:round/>
+                      <a:headEnd type="none" w="med" len="med"/>
+                      <a:tailEnd type="none" w="med" len="med"/>
+                    </a:lnT>
+                    <a:lnB w="6350" cap="flat" cmpd="sng" algn="ctr">
+                      <a:solidFill>
+                        <a:srgbClr val="000000">
+                          <a:alpha val="100000"/>
+                        </a:srgbClr>
+                      </a:solidFill>
+                      <a:prstDash val="solid"/>
+                      <a:round/>
+                      <a:headEnd type="none" w="med" len="med"/>
+                      <a:tailEnd type="none" w="med" len="med"/>
+                    </a:lnB>
+                    <a:solidFill>
+                      <a:srgbClr val="DCE6F1"/>
+                    </a:solidFill>
+                  </a:tcPr>
+                </a:tc>
+                <a:tc>
+                  <a:txBody>
+                    <a:bodyPr/>
+                    <a:lstStyle/>
+                    <a:p>
+                      <a:pPr marL="0" indent="0" algn="l" fontAlgn="auto" defTabSz="508000">
+                        <a:lnSpc>
+                          <a:spcPct val="100000"/>
+                        </a:lnSpc>
+                        <a:spcBef>
+                          <a:spcPts val="0"/>
+                        </a:spcBef>
+                        <a:spcAft>
+                          <a:spcPts val="0"/>
+                        </a:spcAft>
+                        <a:buFontTx/>
+                        <a:buNone/>
+                      </a:pPr>
+                      <a:r>
+                        <a:rPr lang="en-US" altLang="ko-KR" sz="1100" kern="1200" cap="none" dirty="0" smtClean="0" b="0" strike="noStrike">
+                          <a:solidFill>
+                            <a:srgbClr val="000000"/>
+                          </a:solidFill>
+                          <a:latin typeface="맑은 고딕" charset="0"/>
+                          <a:ea typeface="맑은 고딕" charset="0"/>
+                        </a:rPr>
+                        <a:t>위아래 어느쪽이든 정상적인 속도로 이동하는 상태</a:t>
+                      </a:r>
+                      <a:endParaRPr lang="ko-KR" altLang="en-US" sz="1100" kern="1200" dirty="0" smtClean="0" cap="none" b="0" strike="noStrike">
+                        <a:solidFill>
+                          <a:srgbClr val="000000"/>
+                        </a:solidFill>
+                        <a:latin typeface="맑은 고딕" charset="0"/>
+                        <a:ea typeface="맑은 고딕" charset="0"/>
+                      </a:endParaRPr>
+                    </a:p>
+                  </a:txBody>
+                  <a:tcPr marL="0" marR="0" marT="0" marB="0" anchor="ctr">
+                    <a:lnL w="0" cap="flat" cmpd="sng" algn="ctr">
+                      <a:noFill/>
+                      <a:prstDash/>
+                      <a:round/>
+                      <a:headEnd type="none" w="med" len="med"/>
+                      <a:tailEnd type="none" w="med" len="med"/>
+                    </a:lnL>
+                    <a:lnR w="6350" cap="flat" cmpd="sng" algn="ctr">
+                      <a:solidFill>
+                        <a:srgbClr val="000000">
+                          <a:alpha val="100000"/>
+                        </a:srgbClr>
+                      </a:solidFill>
+                      <a:prstDash val="solid"/>
+                      <a:round/>
+                      <a:headEnd type="none" w="med" len="med"/>
+                      <a:tailEnd type="none" w="med" len="med"/>
+                    </a:lnR>
+                    <a:lnT w="0" cap="flat" cmpd="sng" algn="ctr">
+                      <a:noFill/>
+                      <a:prstDash/>
+                      <a:round/>
+                      <a:headEnd type="none" w="med" len="med"/>
+                      <a:tailEnd type="none" w="med" len="med"/>
+                    </a:lnT>
+                    <a:lnB w="6350" cap="flat" cmpd="sng" algn="ctr">
+                      <a:solidFill>
+                        <a:srgbClr val="000000">
+                          <a:alpha val="100000"/>
+                        </a:srgbClr>
+                      </a:solidFill>
+                      <a:prstDash val="solid"/>
+                      <a:round/>
+                      <a:headEnd type="none" w="med" len="med"/>
+                      <a:tailEnd type="none" w="med" len="med"/>
+                    </a:lnB>
+                    <a:solidFill>
+                      <a:srgbClr val="DCE6F1"/>
+                    </a:solidFill>
+                  </a:tcPr>
+                </a:tc>
+              </a:tr>
+              <a:tr h="209550">
+                <a:tc>
+                  <a:txBody>
+                    <a:bodyPr/>
+                    <a:lstStyle/>
+                    <a:p>
+                      <a:pPr marL="0" indent="0" algn="ctr" fontAlgn="auto" defTabSz="508000">
+                        <a:lnSpc>
+                          <a:spcPct val="100000"/>
+                        </a:lnSpc>
+                        <a:spcBef>
+                          <a:spcPts val="0"/>
+                        </a:spcBef>
+                        <a:spcAft>
+                          <a:spcPts val="0"/>
+                        </a:spcAft>
+                        <a:buFontTx/>
+                        <a:buNone/>
+                      </a:pPr>
+                      <a:r>
+                        <a:rPr lang="en-US" altLang="ko-KR" sz="1100" kern="1200" cap="none" dirty="0" smtClean="0" b="0" strike="noStrike">
+                          <a:solidFill>
+                            <a:srgbClr val="000000"/>
+                          </a:solidFill>
+                          <a:latin typeface="맑은 고딕" charset="0"/>
+                          <a:ea typeface="맑은 고딕" charset="0"/>
+                        </a:rPr>
+                        <a:t>Decelerate,  </a:t>
+                      </a:r>
+                      <a:endParaRPr lang="ko-KR" altLang="en-US" sz="1100" kern="1200" dirty="0" smtClean="0" cap="none" b="0" strike="noStrike">
+                        <a:solidFill>
+                          <a:srgbClr val="000000"/>
+                        </a:solidFill>
+                        <a:latin typeface="맑은 고딕" charset="0"/>
+                        <a:ea typeface="맑은 고딕" charset="0"/>
+                      </a:endParaRPr>
+                    </a:p>
+                  </a:txBody>
+                  <a:tcPr marL="0" marR="0" marT="0" marB="0" anchor="ctr">
+                    <a:lnL w="6350" cap="flat" cmpd="sng" algn="ctr">
+                      <a:solidFill>
+                        <a:srgbClr val="000000">
+                          <a:alpha val="100000"/>
+                        </a:srgbClr>
+                      </a:solidFill>
+                      <a:prstDash val="solid"/>
+                      <a:round/>
+                      <a:headEnd type="none" w="med" len="med"/>
+                      <a:tailEnd type="none" w="med" len="med"/>
+                    </a:lnL>
+                    <a:lnR w="6350" cap="flat" cmpd="sng" algn="ctr">
+                      <a:solidFill>
+                        <a:srgbClr val="000000">
+                          <a:alpha val="100000"/>
+                        </a:srgbClr>
+                      </a:solidFill>
+                      <a:prstDash val="solid"/>
+                      <a:round/>
+                      <a:headEnd type="none" w="med" len="med"/>
+                      <a:tailEnd type="none" w="med" len="med"/>
+                    </a:lnR>
+                    <a:lnT w="0" cap="flat" cmpd="sng" algn="ctr">
+                      <a:noFill/>
+                      <a:prstDash/>
+                      <a:round/>
+                      <a:headEnd type="none" w="med" len="med"/>
+                      <a:tailEnd type="none" w="med" len="med"/>
+                    </a:lnT>
+                    <a:lnB w="6350" cap="flat" cmpd="sng" algn="ctr">
+                      <a:solidFill>
+                        <a:srgbClr val="000000">
+                          <a:alpha val="100000"/>
+                        </a:srgbClr>
+                      </a:solidFill>
+                      <a:prstDash val="solid"/>
+                      <a:round/>
+                      <a:headEnd type="none" w="med" len="med"/>
+                      <a:tailEnd type="none" w="med" len="med"/>
+                    </a:lnB>
+                    <a:solidFill>
+                      <a:srgbClr val="DCE6F1"/>
+                    </a:solidFill>
+                  </a:tcPr>
+                </a:tc>
+                <a:tc>
+                  <a:txBody>
+                    <a:bodyPr/>
+                    <a:lstStyle/>
+                    <a:p>
+                      <a:pPr marL="0" indent="0" algn="l" fontAlgn="auto" defTabSz="508000">
+                        <a:lnSpc>
+                          <a:spcPct val="100000"/>
+                        </a:lnSpc>
+                        <a:spcBef>
+                          <a:spcPts val="0"/>
+                        </a:spcBef>
+                        <a:spcAft>
+                          <a:spcPts val="0"/>
+                        </a:spcAft>
+                        <a:buFontTx/>
+                        <a:buNone/>
+                      </a:pPr>
+                      <a:r>
+                        <a:rPr lang="en-US" altLang="ko-KR" sz="1100" kern="1200" cap="none" dirty="0" smtClean="0" b="0" strike="noStrike">
+                          <a:solidFill>
+                            <a:srgbClr val="000000"/>
+                          </a:solidFill>
+                          <a:latin typeface="맑은 고딕" charset="0"/>
+                          <a:ea typeface="맑은 고딕" charset="0"/>
+                        </a:rPr>
+                        <a:t>다음층에 멈추기 위한 감속상태</a:t>
+                      </a:r>
+                      <a:endParaRPr lang="ko-KR" altLang="en-US" sz="1100" kern="1200" dirty="0" smtClean="0" cap="none" b="0" strike="noStrike">
+                        <a:solidFill>
+                          <a:srgbClr val="000000"/>
+                        </a:solidFill>
+                        <a:latin typeface="맑은 고딕" charset="0"/>
+                        <a:ea typeface="맑은 고딕" charset="0"/>
+                      </a:endParaRPr>
+                    </a:p>
+                  </a:txBody>
+                  <a:tcPr marL="0" marR="0" marT="0" marB="0" anchor="ctr">
+                    <a:lnL w="0" cap="flat" cmpd="sng" algn="ctr">
+                      <a:noFill/>
+                      <a:prstDash/>
+                      <a:round/>
+                      <a:headEnd type="none" w="med" len="med"/>
+                      <a:tailEnd type="none" w="med" len="med"/>
+                    </a:lnL>
+                    <a:lnR w="6350" cap="flat" cmpd="sng" algn="ctr">
+                      <a:solidFill>
+                        <a:srgbClr val="000000">
+                          <a:alpha val="100000"/>
+                        </a:srgbClr>
+                      </a:solidFill>
+                      <a:prstDash val="solid"/>
+                      <a:round/>
+                      <a:headEnd type="none" w="med" len="med"/>
+                      <a:tailEnd type="none" w="med" len="med"/>
+                    </a:lnR>
+                    <a:lnT w="0" cap="flat" cmpd="sng" algn="ctr">
+                      <a:noFill/>
+                      <a:prstDash/>
+                      <a:round/>
+                      <a:headEnd type="none" w="med" len="med"/>
+                      <a:tailEnd type="none" w="med" len="med"/>
+                    </a:lnT>
+                    <a:lnB w="6350" cap="flat" cmpd="sng" algn="ctr">
+                      <a:solidFill>
+                        <a:srgbClr val="000000">
+                          <a:alpha val="100000"/>
+                        </a:srgbClr>
+                      </a:solidFill>
+                      <a:prstDash val="solid"/>
+                      <a:round/>
+                      <a:headEnd type="none" w="med" len="med"/>
+                      <a:tailEnd type="none" w="med" len="med"/>
+                    </a:lnB>
+                    <a:solidFill>
+                      <a:srgbClr val="DCE6F1"/>
+                    </a:solidFill>
+                  </a:tcPr>
+                </a:tc>
+              </a:tr>
+              <a:tr h="209550">
+                <a:tc>
+                  <a:txBody>
+                    <a:bodyPr/>
+                    <a:lstStyle/>
+                    <a:p>
+                      <a:pPr marL="0" indent="0" algn="ctr" fontAlgn="auto" defTabSz="508000">
+                        <a:lnSpc>
+                          <a:spcPct val="100000"/>
+                        </a:lnSpc>
+                        <a:spcBef>
+                          <a:spcPts val="0"/>
+                        </a:spcBef>
+                        <a:spcAft>
+                          <a:spcPts val="0"/>
+                        </a:spcAft>
+                        <a:buFontTx/>
+                        <a:buNone/>
+                      </a:pPr>
+                      <a:r>
+                        <a:rPr lang="en-US" altLang="ko-KR" sz="1100" kern="1200" cap="none" dirty="0" smtClean="0" b="0" strike="noStrike">
+                          <a:solidFill>
+                            <a:srgbClr val="000000"/>
+                          </a:solidFill>
+                          <a:latin typeface="맑은 고딕" charset="0"/>
+                          <a:ea typeface="맑은 고딕" charset="0"/>
+                        </a:rPr>
+                        <a:t>MoveStop,    </a:t>
+                      </a:r>
+                      <a:endParaRPr lang="ko-KR" altLang="en-US" sz="1100" kern="1200" dirty="0" smtClean="0" cap="none" b="0" strike="noStrike">
+                        <a:solidFill>
+                          <a:srgbClr val="000000"/>
+                        </a:solidFill>
+                        <a:latin typeface="맑은 고딕" charset="0"/>
+                        <a:ea typeface="맑은 고딕" charset="0"/>
+                      </a:endParaRPr>
+                    </a:p>
+                  </a:txBody>
+                  <a:tcPr marL="0" marR="0" marT="0" marB="0" anchor="ctr">
+                    <a:lnL w="6350" cap="flat" cmpd="sng" algn="ctr">
+                      <a:solidFill>
+                        <a:srgbClr val="000000">
+                          <a:alpha val="100000"/>
+                        </a:srgbClr>
+                      </a:solidFill>
+                      <a:prstDash val="solid"/>
+                      <a:round/>
+                      <a:headEnd type="none" w="med" len="med"/>
+                      <a:tailEnd type="none" w="med" len="med"/>
+                    </a:lnL>
+                    <a:lnR w="6350" cap="flat" cmpd="sng" algn="ctr">
+                      <a:solidFill>
+                        <a:srgbClr val="000000">
+                          <a:alpha val="100000"/>
+                        </a:srgbClr>
+                      </a:solidFill>
+                      <a:prstDash val="solid"/>
+                      <a:round/>
+                      <a:headEnd type="none" w="med" len="med"/>
+                      <a:tailEnd type="none" w="med" len="med"/>
+                    </a:lnR>
+                    <a:lnT w="0" cap="flat" cmpd="sng" algn="ctr">
+                      <a:noFill/>
+                      <a:prstDash/>
+                      <a:round/>
+                      <a:headEnd type="none" w="med" len="med"/>
+                      <a:tailEnd type="none" w="med" len="med"/>
+                    </a:lnT>
+                    <a:lnB w="6350" cap="flat" cmpd="sng" algn="ctr">
+                      <a:solidFill>
+                        <a:srgbClr val="000000">
+                          <a:alpha val="100000"/>
+                        </a:srgbClr>
+                      </a:solidFill>
+                      <a:prstDash val="solid"/>
+                      <a:round/>
+                      <a:headEnd type="none" w="med" len="med"/>
+                      <a:tailEnd type="none" w="med" len="med"/>
+                    </a:lnB>
+                    <a:solidFill>
+                      <a:srgbClr val="DCE6F1"/>
+                    </a:solidFill>
+                  </a:tcPr>
+                </a:tc>
+                <a:tc>
+                  <a:txBody>
+                    <a:bodyPr/>
+                    <a:lstStyle/>
+                    <a:p>
+                      <a:pPr marL="0" indent="0" algn="l" fontAlgn="auto" defTabSz="508000">
+                        <a:lnSpc>
+                          <a:spcPct val="100000"/>
+                        </a:lnSpc>
+                        <a:spcBef>
+                          <a:spcPts val="0"/>
+                        </a:spcBef>
+                        <a:spcAft>
+                          <a:spcPts val="0"/>
+                        </a:spcAft>
+                        <a:buFontTx/>
+                        <a:buNone/>
+                      </a:pPr>
+                      <a:r>
+                        <a:rPr lang="en-US" altLang="ko-KR" sz="1100" kern="1200" cap="none" dirty="0" smtClean="0" b="0" strike="noStrike">
+                          <a:solidFill>
+                            <a:srgbClr val="000000"/>
+                          </a:solidFill>
+                          <a:latin typeface="맑은 고딕" charset="0"/>
+                          <a:ea typeface="맑은 고딕" charset="0"/>
+                        </a:rPr>
+                        <a:t>이동하는 중에 각층에 멈춤상태</a:t>
+                      </a:r>
+                      <a:endParaRPr lang="ko-KR" altLang="en-US" sz="1100" kern="1200" dirty="0" smtClean="0" cap="none" b="0" strike="noStrike">
+                        <a:solidFill>
+                          <a:srgbClr val="000000"/>
+                        </a:solidFill>
+                        <a:latin typeface="맑은 고딕" charset="0"/>
+                        <a:ea typeface="맑은 고딕" charset="0"/>
+                      </a:endParaRPr>
+                    </a:p>
+                  </a:txBody>
+                  <a:tcPr marL="0" marR="0" marT="0" marB="0" anchor="ctr">
+                    <a:lnL w="0" cap="flat" cmpd="sng" algn="ctr">
+                      <a:noFill/>
+                      <a:prstDash/>
+                      <a:round/>
+                      <a:headEnd type="none" w="med" len="med"/>
+                      <a:tailEnd type="none" w="med" len="med"/>
+                    </a:lnL>
+                    <a:lnR w="6350" cap="flat" cmpd="sng" algn="ctr">
+                      <a:solidFill>
+                        <a:srgbClr val="000000">
+                          <a:alpha val="100000"/>
+                        </a:srgbClr>
+                      </a:solidFill>
+                      <a:prstDash val="solid"/>
+                      <a:round/>
+                      <a:headEnd type="none" w="med" len="med"/>
+                      <a:tailEnd type="none" w="med" len="med"/>
+                    </a:lnR>
+                    <a:lnT w="0" cap="flat" cmpd="sng" algn="ctr">
+                      <a:noFill/>
+                      <a:prstDash/>
+                      <a:round/>
+                      <a:headEnd type="none" w="med" len="med"/>
+                      <a:tailEnd type="none" w="med" len="med"/>
+                    </a:lnT>
+                    <a:lnB w="6350" cap="flat" cmpd="sng" algn="ctr">
+                      <a:solidFill>
+                        <a:srgbClr val="000000">
+                          <a:alpha val="100000"/>
+                        </a:srgbClr>
+                      </a:solidFill>
+                      <a:prstDash val="solid"/>
+                      <a:round/>
+                      <a:headEnd type="none" w="med" len="med"/>
+                      <a:tailEnd type="none" w="med" len="med"/>
+                    </a:lnB>
+                    <a:solidFill>
+                      <a:srgbClr val="DCE6F1"/>
+                    </a:solidFill>
+                  </a:tcPr>
+                </a:tc>
+              </a:tr>
+              <a:tr h="209550">
+                <a:tc>
+                  <a:txBody>
+                    <a:bodyPr/>
+                    <a:lstStyle/>
+                    <a:p>
+                      <a:pPr marL="0" indent="0" algn="ctr" fontAlgn="auto" defTabSz="508000">
+                        <a:lnSpc>
+                          <a:spcPct val="100000"/>
+                        </a:lnSpc>
+                        <a:spcBef>
+                          <a:spcPts val="0"/>
+                        </a:spcBef>
+                        <a:spcAft>
+                          <a:spcPts val="0"/>
+                        </a:spcAft>
+                        <a:buFontTx/>
+                        <a:buNone/>
+                      </a:pPr>
+                      <a:r>
+                        <a:rPr lang="en-US" altLang="ko-KR" sz="1100" kern="1200" cap="none" dirty="0" smtClean="0" b="0" strike="noStrike">
+                          <a:solidFill>
+                            <a:srgbClr val="000000"/>
+                          </a:solidFill>
+                          <a:latin typeface="맑은 고딕" charset="0"/>
+                          <a:ea typeface="맑은 고딕" charset="0"/>
+                        </a:rPr>
+                        <a:t>DoorOpening, </a:t>
+                      </a:r>
+                      <a:endParaRPr lang="ko-KR" altLang="en-US" sz="1100" kern="1200" dirty="0" smtClean="0" cap="none" b="0" strike="noStrike">
+                        <a:solidFill>
+                          <a:srgbClr val="000000"/>
+                        </a:solidFill>
+                        <a:latin typeface="맑은 고딕" charset="0"/>
+                        <a:ea typeface="맑은 고딕" charset="0"/>
+                      </a:endParaRPr>
+                    </a:p>
+                  </a:txBody>
+                  <a:tcPr marL="0" marR="0" marT="0" marB="0" anchor="ctr">
+                    <a:lnL w="6350" cap="flat" cmpd="sng" algn="ctr">
+                      <a:solidFill>
+                        <a:srgbClr val="000000">
+                          <a:alpha val="100000"/>
+                        </a:srgbClr>
+                      </a:solidFill>
+                      <a:prstDash val="solid"/>
+                      <a:round/>
+                      <a:headEnd type="none" w="med" len="med"/>
+                      <a:tailEnd type="none" w="med" len="med"/>
+                    </a:lnL>
+                    <a:lnR w="6350" cap="flat" cmpd="sng" algn="ctr">
+                      <a:solidFill>
+                        <a:srgbClr val="000000">
+                          <a:alpha val="100000"/>
+                        </a:srgbClr>
+                      </a:solidFill>
+                      <a:prstDash val="solid"/>
+                      <a:round/>
+                      <a:headEnd type="none" w="med" len="med"/>
+                      <a:tailEnd type="none" w="med" len="med"/>
+                    </a:lnR>
+                    <a:lnT w="0" cap="flat" cmpd="sng" algn="ctr">
+                      <a:noFill/>
+                      <a:prstDash/>
+                      <a:round/>
+                      <a:headEnd type="none" w="med" len="med"/>
+                      <a:tailEnd type="none" w="med" len="med"/>
+                    </a:lnT>
+                    <a:lnB w="6350" cap="flat" cmpd="sng" algn="ctr">
+                      <a:solidFill>
+                        <a:srgbClr val="000000">
+                          <a:alpha val="100000"/>
+                        </a:srgbClr>
+                      </a:solidFill>
+                      <a:prstDash val="solid"/>
+                      <a:round/>
+                      <a:headEnd type="none" w="med" len="med"/>
+                      <a:tailEnd type="none" w="med" len="med"/>
+                    </a:lnB>
+                    <a:solidFill>
+                      <a:srgbClr val="DCE6F1"/>
+                    </a:solidFill>
+                  </a:tcPr>
+                </a:tc>
+                <a:tc>
+                  <a:txBody>
+                    <a:bodyPr/>
+                    <a:lstStyle/>
+                    <a:p>
+                      <a:pPr marL="0" indent="0" algn="l" fontAlgn="auto" defTabSz="508000">
+                        <a:lnSpc>
+                          <a:spcPct val="100000"/>
+                        </a:lnSpc>
+                        <a:spcBef>
+                          <a:spcPts val="0"/>
+                        </a:spcBef>
+                        <a:spcAft>
+                          <a:spcPts val="0"/>
+                        </a:spcAft>
+                        <a:buFontTx/>
+                        <a:buNone/>
+                      </a:pPr>
+                      <a:r>
+                        <a:rPr lang="en-US" altLang="ko-KR" sz="1100" kern="1200" cap="none" dirty="0" smtClean="0" b="0" strike="noStrike">
+                          <a:solidFill>
+                            <a:srgbClr val="000000"/>
+                          </a:solidFill>
+                          <a:latin typeface="맑은 고딕" charset="0"/>
+                          <a:ea typeface="맑은 고딕" charset="0"/>
+                        </a:rPr>
+                        <a:t>문열는중</a:t>
+                      </a:r>
+                      <a:endParaRPr lang="ko-KR" altLang="en-US" sz="1100" kern="1200" dirty="0" smtClean="0" cap="none" b="0" strike="noStrike">
+                        <a:solidFill>
+                          <a:srgbClr val="000000"/>
+                        </a:solidFill>
+                        <a:latin typeface="맑은 고딕" charset="0"/>
+                        <a:ea typeface="맑은 고딕" charset="0"/>
+                      </a:endParaRPr>
+                    </a:p>
+                  </a:txBody>
+                  <a:tcPr marL="0" marR="0" marT="0" marB="0" anchor="ctr">
+                    <a:lnL w="0" cap="flat" cmpd="sng" algn="ctr">
+                      <a:noFill/>
+                      <a:prstDash/>
+                      <a:round/>
+                      <a:headEnd type="none" w="med" len="med"/>
+                      <a:tailEnd type="none" w="med" len="med"/>
+                    </a:lnL>
+                    <a:lnR w="6350" cap="flat" cmpd="sng" algn="ctr">
+                      <a:solidFill>
+                        <a:srgbClr val="000000">
+                          <a:alpha val="100000"/>
+                        </a:srgbClr>
+                      </a:solidFill>
+                      <a:prstDash val="solid"/>
+                      <a:round/>
+                      <a:headEnd type="none" w="med" len="med"/>
+                      <a:tailEnd type="none" w="med" len="med"/>
+                    </a:lnR>
+                    <a:lnT w="0" cap="flat" cmpd="sng" algn="ctr">
+                      <a:noFill/>
+                      <a:prstDash/>
+                      <a:round/>
+                      <a:headEnd type="none" w="med" len="med"/>
+                      <a:tailEnd type="none" w="med" len="med"/>
+                    </a:lnT>
+                    <a:lnB w="6350" cap="flat" cmpd="sng" algn="ctr">
+                      <a:solidFill>
+                        <a:srgbClr val="000000">
+                          <a:alpha val="100000"/>
+                        </a:srgbClr>
+                      </a:solidFill>
+                      <a:prstDash val="solid"/>
+                      <a:round/>
+                      <a:headEnd type="none" w="med" len="med"/>
+                      <a:tailEnd type="none" w="med" len="med"/>
+                    </a:lnB>
+                    <a:solidFill>
+                      <a:srgbClr val="DCE6F1"/>
+                    </a:solidFill>
+                  </a:tcPr>
+                </a:tc>
+              </a:tr>
+              <a:tr h="209550">
+                <a:tc>
+                  <a:txBody>
+                    <a:bodyPr/>
+                    <a:lstStyle/>
+                    <a:p>
+                      <a:pPr marL="0" indent="0" algn="ctr" fontAlgn="auto" defTabSz="508000">
+                        <a:lnSpc>
+                          <a:spcPct val="100000"/>
+                        </a:lnSpc>
+                        <a:spcBef>
+                          <a:spcPts val="0"/>
+                        </a:spcBef>
+                        <a:spcAft>
+                          <a:spcPts val="0"/>
+                        </a:spcAft>
+                        <a:buFontTx/>
+                        <a:buNone/>
+                      </a:pPr>
+                      <a:r>
+                        <a:rPr lang="en-US" altLang="ko-KR" sz="1100" kern="1200" cap="none" dirty="0" smtClean="0" b="0" strike="noStrike">
+                          <a:solidFill>
+                            <a:srgbClr val="000000"/>
+                          </a:solidFill>
+                          <a:latin typeface="맑은 고딕" charset="0"/>
+                          <a:ea typeface="맑은 고딕" charset="0"/>
+                        </a:rPr>
+                        <a:t>DoorOpened,  </a:t>
+                      </a:r>
+                      <a:endParaRPr lang="ko-KR" altLang="en-US" sz="1100" kern="1200" dirty="0" smtClean="0" cap="none" b="0" strike="noStrike">
+                        <a:solidFill>
+                          <a:srgbClr val="000000"/>
+                        </a:solidFill>
+                        <a:latin typeface="맑은 고딕" charset="0"/>
+                        <a:ea typeface="맑은 고딕" charset="0"/>
+                      </a:endParaRPr>
+                    </a:p>
+                  </a:txBody>
+                  <a:tcPr marL="0" marR="0" marT="0" marB="0" anchor="ctr">
+                    <a:lnL w="6350" cap="flat" cmpd="sng" algn="ctr">
+                      <a:solidFill>
+                        <a:srgbClr val="000000">
+                          <a:alpha val="100000"/>
+                        </a:srgbClr>
+                      </a:solidFill>
+                      <a:prstDash val="solid"/>
+                      <a:round/>
+                      <a:headEnd type="none" w="med" len="med"/>
+                      <a:tailEnd type="none" w="med" len="med"/>
+                    </a:lnL>
+                    <a:lnR w="6350" cap="flat" cmpd="sng" algn="ctr">
+                      <a:solidFill>
+                        <a:srgbClr val="000000">
+                          <a:alpha val="100000"/>
+                        </a:srgbClr>
+                      </a:solidFill>
+                      <a:prstDash val="solid"/>
+                      <a:round/>
+                      <a:headEnd type="none" w="med" len="med"/>
+                      <a:tailEnd type="none" w="med" len="med"/>
+                    </a:lnR>
+                    <a:lnT w="0" cap="flat" cmpd="sng" algn="ctr">
+                      <a:noFill/>
+                      <a:prstDash/>
+                      <a:round/>
+                      <a:headEnd type="none" w="med" len="med"/>
+                      <a:tailEnd type="none" w="med" len="med"/>
+                    </a:lnT>
+                    <a:lnB w="6350" cap="flat" cmpd="sng" algn="ctr">
+                      <a:solidFill>
+                        <a:srgbClr val="000000">
+                          <a:alpha val="100000"/>
+                        </a:srgbClr>
+                      </a:solidFill>
+                      <a:prstDash val="solid"/>
+                      <a:round/>
+                      <a:headEnd type="none" w="med" len="med"/>
+                      <a:tailEnd type="none" w="med" len="med"/>
+                    </a:lnB>
+                    <a:solidFill>
+                      <a:srgbClr val="DCE6F1"/>
+                    </a:solidFill>
+                  </a:tcPr>
+                </a:tc>
+                <a:tc>
+                  <a:txBody>
+                    <a:bodyPr/>
+                    <a:lstStyle/>
+                    <a:p>
+                      <a:pPr marL="0" indent="0" algn="l" fontAlgn="auto" defTabSz="508000">
+                        <a:lnSpc>
+                          <a:spcPct val="100000"/>
+                        </a:lnSpc>
+                        <a:spcBef>
+                          <a:spcPts val="0"/>
+                        </a:spcBef>
+                        <a:spcAft>
+                          <a:spcPts val="0"/>
+                        </a:spcAft>
+                        <a:buFontTx/>
+                        <a:buNone/>
+                      </a:pPr>
+                      <a:r>
+                        <a:rPr lang="en-US" altLang="ko-KR" sz="1100" kern="1200" cap="none" dirty="0" smtClean="0" b="0" strike="noStrike">
+                          <a:solidFill>
+                            <a:srgbClr val="000000"/>
+                          </a:solidFill>
+                          <a:latin typeface="맑은 고딕" charset="0"/>
+                          <a:ea typeface="맑은 고딕" charset="0"/>
+                        </a:rPr>
+                        <a:t>문열린 상태(이 상태에서 승객 승하차가 이루어짐)</a:t>
+                      </a:r>
+                      <a:endParaRPr lang="ko-KR" altLang="en-US" sz="1100" kern="1200" dirty="0" smtClean="0" cap="none" b="0" strike="noStrike">
+                        <a:solidFill>
+                          <a:srgbClr val="000000"/>
+                        </a:solidFill>
+                        <a:latin typeface="맑은 고딕" charset="0"/>
+                        <a:ea typeface="맑은 고딕" charset="0"/>
+                      </a:endParaRPr>
+                    </a:p>
+                  </a:txBody>
+                  <a:tcPr marL="0" marR="0" marT="0" marB="0" anchor="ctr">
+                    <a:lnL w="0" cap="flat" cmpd="sng" algn="ctr">
+                      <a:noFill/>
+                      <a:prstDash/>
+                      <a:round/>
+                      <a:headEnd type="none" w="med" len="med"/>
+                      <a:tailEnd type="none" w="med" len="med"/>
+                    </a:lnL>
+                    <a:lnR w="6350" cap="flat" cmpd="sng" algn="ctr">
+                      <a:solidFill>
+                        <a:srgbClr val="000000">
+                          <a:alpha val="100000"/>
+                        </a:srgbClr>
+                      </a:solidFill>
+                      <a:prstDash val="solid"/>
+                      <a:round/>
+                      <a:headEnd type="none" w="med" len="med"/>
+                      <a:tailEnd type="none" w="med" len="med"/>
+                    </a:lnR>
+                    <a:lnT w="0" cap="flat" cmpd="sng" algn="ctr">
+                      <a:noFill/>
+                      <a:prstDash/>
+                      <a:round/>
+                      <a:headEnd type="none" w="med" len="med"/>
+                      <a:tailEnd type="none" w="med" len="med"/>
+                    </a:lnT>
+                    <a:lnB w="6350" cap="flat" cmpd="sng" algn="ctr">
+                      <a:solidFill>
+                        <a:srgbClr val="000000">
+                          <a:alpha val="100000"/>
+                        </a:srgbClr>
+                      </a:solidFill>
+                      <a:prstDash val="solid"/>
+                      <a:round/>
+                      <a:headEnd type="none" w="med" len="med"/>
+                      <a:tailEnd type="none" w="med" len="med"/>
+                    </a:lnB>
+                    <a:solidFill>
+                      <a:srgbClr val="DCE6F1"/>
+                    </a:solidFill>
+                  </a:tcPr>
+                </a:tc>
+              </a:tr>
+              <a:tr h="209550">
+                <a:tc>
+                  <a:txBody>
+                    <a:bodyPr/>
+                    <a:lstStyle/>
+                    <a:p>
+                      <a:pPr marL="0" indent="0" algn="ctr" fontAlgn="auto" defTabSz="508000">
+                        <a:lnSpc>
+                          <a:spcPct val="100000"/>
+                        </a:lnSpc>
+                        <a:spcBef>
+                          <a:spcPts val="0"/>
+                        </a:spcBef>
+                        <a:spcAft>
+                          <a:spcPts val="0"/>
+                        </a:spcAft>
+                        <a:buFontTx/>
+                        <a:buNone/>
+                      </a:pPr>
+                      <a:r>
+                        <a:rPr lang="en-US" altLang="ko-KR" sz="1100" kern="1200" cap="none" dirty="0" smtClean="0" b="0" strike="noStrike">
+                          <a:solidFill>
+                            <a:srgbClr val="000000"/>
+                          </a:solidFill>
+                          <a:latin typeface="맑은 고딕" charset="0"/>
+                          <a:ea typeface="맑은 고딕" charset="0"/>
+                        </a:rPr>
+                        <a:t>DoorClosing, </a:t>
+                      </a:r>
+                      <a:endParaRPr lang="ko-KR" altLang="en-US" sz="1100" kern="1200" dirty="0" smtClean="0" cap="none" b="0" strike="noStrike">
+                        <a:solidFill>
+                          <a:srgbClr val="000000"/>
+                        </a:solidFill>
+                        <a:latin typeface="맑은 고딕" charset="0"/>
+                        <a:ea typeface="맑은 고딕" charset="0"/>
+                      </a:endParaRPr>
+                    </a:p>
+                  </a:txBody>
+                  <a:tcPr marL="0" marR="0" marT="0" marB="0" anchor="ctr">
+                    <a:lnL w="6350" cap="flat" cmpd="sng" algn="ctr">
+                      <a:solidFill>
+                        <a:srgbClr val="000000">
+                          <a:alpha val="100000"/>
+                        </a:srgbClr>
+                      </a:solidFill>
+                      <a:prstDash val="solid"/>
+                      <a:round/>
+                      <a:headEnd type="none" w="med" len="med"/>
+                      <a:tailEnd type="none" w="med" len="med"/>
+                    </a:lnL>
+                    <a:lnR w="6350" cap="flat" cmpd="sng" algn="ctr">
+                      <a:solidFill>
+                        <a:srgbClr val="000000">
+                          <a:alpha val="100000"/>
+                        </a:srgbClr>
+                      </a:solidFill>
+                      <a:prstDash val="solid"/>
+                      <a:round/>
+                      <a:headEnd type="none" w="med" len="med"/>
+                      <a:tailEnd type="none" w="med" len="med"/>
+                    </a:lnR>
+                    <a:lnT w="0" cap="flat" cmpd="sng" algn="ctr">
+                      <a:noFill/>
+                      <a:prstDash/>
+                      <a:round/>
+                      <a:headEnd type="none" w="med" len="med"/>
+                      <a:tailEnd type="none" w="med" len="med"/>
+                    </a:lnT>
+                    <a:lnB w="6350" cap="flat" cmpd="sng" algn="ctr">
+                      <a:solidFill>
+                        <a:srgbClr val="000000">
+                          <a:alpha val="100000"/>
+                        </a:srgbClr>
+                      </a:solidFill>
+                      <a:prstDash val="solid"/>
+                      <a:round/>
+                      <a:headEnd type="none" w="med" len="med"/>
+                      <a:tailEnd type="none" w="med" len="med"/>
+                    </a:lnB>
+                    <a:solidFill>
+                      <a:srgbClr val="DCE6F1"/>
+                    </a:solidFill>
+                  </a:tcPr>
+                </a:tc>
+                <a:tc>
+                  <a:txBody>
+                    <a:bodyPr/>
+                    <a:lstStyle/>
+                    <a:p>
+                      <a:pPr marL="0" indent="0" algn="l" fontAlgn="auto" defTabSz="508000">
+                        <a:lnSpc>
+                          <a:spcPct val="100000"/>
+                        </a:lnSpc>
+                        <a:spcBef>
+                          <a:spcPts val="0"/>
+                        </a:spcBef>
+                        <a:spcAft>
+                          <a:spcPts val="0"/>
+                        </a:spcAft>
+                        <a:buFontTx/>
+                        <a:buNone/>
+                      </a:pPr>
+                      <a:r>
+                        <a:rPr lang="en-US" altLang="ko-KR" sz="1100" kern="1200" cap="none" dirty="0" smtClean="0" b="0" strike="noStrike">
+                          <a:solidFill>
+                            <a:srgbClr val="000000"/>
+                          </a:solidFill>
+                          <a:latin typeface="맑은 고딕" charset="0"/>
+                          <a:ea typeface="맑은 고딕" charset="0"/>
+                        </a:rPr>
+                        <a:t>문닫히는 동안.</a:t>
+                      </a:r>
+                      <a:endParaRPr lang="ko-KR" altLang="en-US" sz="1100" kern="1200" dirty="0" smtClean="0" cap="none" b="0" strike="noStrike">
+                        <a:solidFill>
+                          <a:srgbClr val="000000"/>
+                        </a:solidFill>
+                        <a:latin typeface="맑은 고딕" charset="0"/>
+                        <a:ea typeface="맑은 고딕" charset="0"/>
+                      </a:endParaRPr>
+                    </a:p>
+                  </a:txBody>
+                  <a:tcPr marL="0" marR="0" marT="0" marB="0" anchor="ctr">
+                    <a:lnL w="0" cap="flat" cmpd="sng" algn="ctr">
+                      <a:noFill/>
+                      <a:prstDash/>
+                      <a:round/>
+                      <a:headEnd type="none" w="med" len="med"/>
+                      <a:tailEnd type="none" w="med" len="med"/>
+                    </a:lnL>
+                    <a:lnR w="6350" cap="flat" cmpd="sng" algn="ctr">
+                      <a:solidFill>
+                        <a:srgbClr val="000000">
+                          <a:alpha val="100000"/>
+                        </a:srgbClr>
+                      </a:solidFill>
+                      <a:prstDash val="solid"/>
+                      <a:round/>
+                      <a:headEnd type="none" w="med" len="med"/>
+                      <a:tailEnd type="none" w="med" len="med"/>
+                    </a:lnR>
+                    <a:lnT w="0" cap="flat" cmpd="sng" algn="ctr">
+                      <a:noFill/>
+                      <a:prstDash/>
+                      <a:round/>
+                      <a:headEnd type="none" w="med" len="med"/>
+                      <a:tailEnd type="none" w="med" len="med"/>
+                    </a:lnT>
+                    <a:lnB w="6350" cap="flat" cmpd="sng" algn="ctr">
+                      <a:solidFill>
+                        <a:srgbClr val="000000">
+                          <a:alpha val="100000"/>
+                        </a:srgbClr>
+                      </a:solidFill>
+                      <a:prstDash val="solid"/>
+                      <a:round/>
+                      <a:headEnd type="none" w="med" len="med"/>
+                      <a:tailEnd type="none" w="med" len="med"/>
+                    </a:lnB>
+                    <a:solidFill>
+                      <a:srgbClr val="DCE6F1"/>
+                    </a:solidFill>
+                  </a:tcPr>
+                </a:tc>
+              </a:tr>
+              <a:tr h="209550">
+                <a:tc>
+                  <a:txBody>
+                    <a:bodyPr/>
+                    <a:lstStyle/>
+                    <a:p>
+                      <a:pPr marL="0" indent="0" algn="ctr" fontAlgn="auto" defTabSz="508000">
+                        <a:lnSpc>
+                          <a:spcPct val="100000"/>
+                        </a:lnSpc>
+                        <a:spcBef>
+                          <a:spcPts val="0"/>
+                        </a:spcBef>
+                        <a:spcAft>
+                          <a:spcPts val="0"/>
+                        </a:spcAft>
+                        <a:buFontTx/>
+                        <a:buNone/>
+                      </a:pPr>
+                      <a:r>
+                        <a:rPr lang="en-US" altLang="ko-KR" sz="1100" kern="1200" cap="none" dirty="0" smtClean="0" b="0" strike="noStrike">
+                          <a:solidFill>
+                            <a:srgbClr val="000000"/>
+                          </a:solidFill>
+                          <a:latin typeface="맑은 고딕" charset="0"/>
+                          <a:ea typeface="맑은 고딕" charset="0"/>
+                        </a:rPr>
+                        <a:t>Accelate,    </a:t>
+                      </a:r>
+                      <a:endParaRPr lang="ko-KR" altLang="en-US" sz="1100" kern="1200" dirty="0" smtClean="0" cap="none" b="0" strike="noStrike">
+                        <a:solidFill>
+                          <a:srgbClr val="000000"/>
+                        </a:solidFill>
+                        <a:latin typeface="맑은 고딕" charset="0"/>
+                        <a:ea typeface="맑은 고딕" charset="0"/>
+                      </a:endParaRPr>
+                    </a:p>
+                  </a:txBody>
+                  <a:tcPr marL="0" marR="0" marT="0" marB="0" anchor="ctr">
+                    <a:lnL w="6350" cap="flat" cmpd="sng" algn="ctr">
+                      <a:solidFill>
+                        <a:srgbClr val="000000">
+                          <a:alpha val="100000"/>
+                        </a:srgbClr>
+                      </a:solidFill>
+                      <a:prstDash val="solid"/>
+                      <a:round/>
+                      <a:headEnd type="none" w="med" len="med"/>
+                      <a:tailEnd type="none" w="med" len="med"/>
+                    </a:lnL>
+                    <a:lnR w="6350" cap="flat" cmpd="sng" algn="ctr">
+                      <a:solidFill>
+                        <a:srgbClr val="000000">
+                          <a:alpha val="100000"/>
+                        </a:srgbClr>
+                      </a:solidFill>
+                      <a:prstDash val="solid"/>
+                      <a:round/>
+                      <a:headEnd type="none" w="med" len="med"/>
+                      <a:tailEnd type="none" w="med" len="med"/>
+                    </a:lnR>
+                    <a:lnT w="0" cap="flat" cmpd="sng" algn="ctr">
+                      <a:noFill/>
+                      <a:prstDash/>
+                      <a:round/>
+                      <a:headEnd type="none" w="med" len="med"/>
+                      <a:tailEnd type="none" w="med" len="med"/>
+                    </a:lnT>
+                    <a:lnB w="6350" cap="flat" cmpd="sng" algn="ctr">
+                      <a:solidFill>
+                        <a:srgbClr val="000000">
+                          <a:alpha val="100000"/>
+                        </a:srgbClr>
+                      </a:solidFill>
+                      <a:prstDash val="solid"/>
+                      <a:round/>
+                      <a:headEnd type="none" w="med" len="med"/>
+                      <a:tailEnd type="none" w="med" len="med"/>
+                    </a:lnB>
+                    <a:solidFill>
+                      <a:srgbClr val="DCE6F1"/>
+                    </a:solidFill>
+                  </a:tcPr>
+                </a:tc>
+                <a:tc>
+                  <a:txBody>
+                    <a:bodyPr/>
+                    <a:lstStyle/>
+                    <a:p>
+                      <a:pPr marL="0" indent="0" algn="l" fontAlgn="auto" defTabSz="508000">
+                        <a:lnSpc>
+                          <a:spcPct val="100000"/>
+                        </a:lnSpc>
+                        <a:spcBef>
+                          <a:spcPts val="0"/>
+                        </a:spcBef>
+                        <a:spcAft>
+                          <a:spcPts val="0"/>
+                        </a:spcAft>
+                        <a:buFontTx/>
+                        <a:buNone/>
+                      </a:pPr>
+                      <a:r>
+                        <a:rPr lang="en-US" altLang="ko-KR" sz="1100" kern="1200" cap="none" dirty="0" smtClean="0" b="0" strike="noStrike">
+                          <a:solidFill>
+                            <a:srgbClr val="000000"/>
+                          </a:solidFill>
+                          <a:latin typeface="맑은 고딕" charset="0"/>
+                          <a:ea typeface="맑은 고딕" charset="0"/>
+                        </a:rPr>
+                        <a:t>이동에 대한 가속상태</a:t>
+                      </a:r>
+                      <a:endParaRPr lang="ko-KR" altLang="en-US" sz="1100" kern="1200" dirty="0" smtClean="0" cap="none" b="0" strike="noStrike">
+                        <a:solidFill>
+                          <a:srgbClr val="000000"/>
+                        </a:solidFill>
+                        <a:latin typeface="맑은 고딕" charset="0"/>
+                        <a:ea typeface="맑은 고딕" charset="0"/>
+                      </a:endParaRPr>
+                    </a:p>
+                  </a:txBody>
+                  <a:tcPr marL="0" marR="0" marT="0" marB="0" anchor="ctr">
+                    <a:lnL w="0" cap="flat" cmpd="sng" algn="ctr">
+                      <a:noFill/>
+                      <a:prstDash/>
+                      <a:round/>
+                      <a:headEnd type="none" w="med" len="med"/>
+                      <a:tailEnd type="none" w="med" len="med"/>
+                    </a:lnL>
+                    <a:lnR w="6350" cap="flat" cmpd="sng" algn="ctr">
+                      <a:solidFill>
+                        <a:srgbClr val="000000">
+                          <a:alpha val="100000"/>
+                        </a:srgbClr>
+                      </a:solidFill>
+                      <a:prstDash val="solid"/>
+                      <a:round/>
+                      <a:headEnd type="none" w="med" len="med"/>
+                      <a:tailEnd type="none" w="med" len="med"/>
+                    </a:lnR>
+                    <a:lnT w="0" cap="flat" cmpd="sng" algn="ctr">
+                      <a:noFill/>
+                      <a:prstDash/>
+                      <a:round/>
+                      <a:headEnd type="none" w="med" len="med"/>
+                      <a:tailEnd type="none" w="med" len="med"/>
+                    </a:lnT>
+                    <a:lnB w="6350" cap="flat" cmpd="sng" algn="ctr">
+                      <a:solidFill>
+                        <a:srgbClr val="000000">
+                          <a:alpha val="100000"/>
+                        </a:srgbClr>
+                      </a:solidFill>
+                      <a:prstDash val="solid"/>
+                      <a:round/>
+                      <a:headEnd type="none" w="med" len="med"/>
+                      <a:tailEnd type="none" w="med" len="med"/>
+                    </a:lnB>
+                    <a:solidFill>
+                      <a:srgbClr val="DCE6F1"/>
+                    </a:solidFill>
+                  </a:tcPr>
+                </a:tc>
+              </a:tr>
+            </a:tbl>
+          </a:graphicData>
+        </a:graphic>
+      </p:graphicFrame>
     </p:spTree>
   </p:cSld>
   <p:clrMapOvr>
@@ -8439,7 +9773,7 @@
 </file>
 
 <file path=ppt/slides/slide6.xml><?xml version="1.0" encoding="utf-8"?>
-<p:sld xmlns:a="http://schemas.openxmlformats.org/drawingml/2006/main" xmlns:r="http://schemas.openxmlformats.org/officeDocument/2006/relationships" xmlns:p="http://schemas.openxmlformats.org/presentationml/2006/main">
+<p:sld xmlns:a="http://schemas.openxmlformats.org/drawingml/2006/main" xmlns:r="http://schemas.openxmlformats.org/officeDocument/2006/relationships" xmlns:p="http://schemas.openxmlformats.org/presentationml/2006/main" xmlns:p14="http://schemas.microsoft.com/office/powerpoint/2010/main">
   <p:cSld>
     <p:spTree>
       <p:nvGrpSpPr>
@@ -8523,14 +9857,14 @@
         </p:nvSpPr>
         <p:spPr>
           <a:xfrm rot="0">
-            <a:off x="5115560" y="2018030"/>
-            <a:ext cx="6351905" cy="2671445"/>
+            <a:off x="6132830" y="2594610"/>
+            <a:ext cx="5519420" cy="2672080"/>
           </a:xfrm>
           <a:prstGeom prst="rect"/>
         </p:spPr>
         <p:txBody>
-          <a:bodyPr wrap="square" lIns="91440" tIns="45720" rIns="91440" bIns="45720" vert="horz" anchor="t">
-            <a:normAutofit fontScale="100000" lnSpcReduction="0"/>
+          <a:bodyPr wrap="square" lIns="91440" tIns="45720" rIns="91440" bIns="45720" numCol="1" vert="horz" anchor="t">
+            <a:normAutofit fontScale="85000" lnSpcReduction="0"/>
           </a:bodyPr>
           <a:lstStyle/>
           <a:p>
@@ -8555,7 +9889,7 @@
                 <a:latin typeface="맑은 고딕" charset="0"/>
                 <a:ea typeface="맑은 고딕" charset="0"/>
               </a:rPr>
-              <a:t>1.Parameter 연동</a:t>
+              <a:t>1.각 Parameter와 환경 상태 연동 </a:t>
             </a:r>
             <a:endParaRPr lang="ko-KR" altLang="en-US" sz="2800" cap="none" dirty="0" smtClean="0" b="0" strike="noStrike">
               <a:solidFill>
@@ -8587,7 +9921,7 @@
                 <a:latin typeface="맑은 고딕" charset="0"/>
                 <a:ea typeface="맑은 고딕" charset="0"/>
               </a:rPr>
-              <a:t>2.상태 UI연동 </a:t>
+              <a:t>2.상태 UI 표시</a:t>
             </a:r>
             <a:endParaRPr lang="ko-KR" altLang="en-US" sz="2800" cap="none" dirty="0" smtClean="0" b="0" strike="noStrike">
               <a:solidFill>
@@ -8619,7 +9953,7 @@
                 <a:latin typeface="맑은 고딕" charset="0"/>
                 <a:ea typeface="맑은 고딕" charset="0"/>
               </a:rPr>
-              <a:t>3.Elevator FSM 연동</a:t>
+              <a:t>3.Elevator FSM 상태 적용</a:t>
             </a:r>
             <a:endParaRPr lang="ko-KR" altLang="en-US" sz="2800" cap="none" dirty="0" smtClean="0" b="0" strike="noStrike">
               <a:solidFill>
@@ -8692,10 +10026,32 @@
                 </a:solidFill>
                 <a:latin typeface="맑은 고딕" charset="0"/>
                 <a:ea typeface="맑은 고딕" charset="0"/>
-                <a:hlinkClick r:id="rId2"/>
+                <a:hlinkClick r:id="rId4"/>
               </a:rPr>
               <a:t>https://youtu.be/b1IvHQ844dA</a:t>
             </a:r>
+            <a:endParaRPr lang="ko-KR" altLang="en-US" sz="2800" cap="none" dirty="0" smtClean="0" b="0" strike="noStrike">
+              <a:solidFill>
+                <a:schemeClr val="tx1"/>
+              </a:solidFill>
+              <a:latin typeface="맑은 고딕" charset="0"/>
+              <a:ea typeface="맑은 고딕" charset="0"/>
+            </a:endParaRPr>
+          </a:p>
+          <a:p>
+            <a:pPr marL="0" indent="0" algn="l" fontAlgn="auto" defTabSz="508000" eaLnBrk="0">
+              <a:lnSpc>
+                <a:spcPct val="90000"/>
+              </a:lnSpc>
+              <a:spcBef>
+                <a:spcPts val="0"/>
+              </a:spcBef>
+              <a:spcAft>
+                <a:spcPts val="0"/>
+              </a:spcAft>
+              <a:buFontTx/>
+              <a:buNone/>
+            </a:pPr>
             <a:endParaRPr lang="ko-KR" altLang="en-US" sz="2800" cap="none" dirty="0" smtClean="0" b="0" strike="noStrike">
               <a:solidFill>
                 <a:schemeClr val="tx1"/>
@@ -8708,7 +10064,7 @@
       </p:sp>
       <p:pic>
         <p:nvPicPr>
-          <p:cNvPr id="4" name="그림 3" descr="C:/Users/hjy/AppData/Roaming/PolarisOffice/ETemp/10252_1429312/fImage2123111178467.png"/>
+          <p:cNvPr id="4" name="그림 3" descr="C:/Users/hjy/AppData/Roaming/PolarisOffice/ETemp/17800_10991464/fImage2123111178467.png"/>
           <p:cNvPicPr>
             <a:picLocks noChangeAspect="1"/>
           </p:cNvPicPr>
@@ -8722,19 +10078,591 @@
               </a:ext>
             </a:extLst>
           </a:blip>
+          <a:srcRect/>
           <a:stretch>
             <a:fillRect/>
           </a:stretch>
         </p:blipFill>
         <p:spPr>
           <a:xfrm rot="0">
-            <a:off x="695325" y="1654175"/>
-            <a:ext cx="4215765" cy="4166235"/>
+            <a:off x="1309370" y="1942465"/>
+            <a:ext cx="4216400" cy="4166870"/>
           </a:xfrm>
           <a:prstGeom prst="rect"/>
           <a:noFill/>
         </p:spPr>
       </p:pic>
+      <p:sp>
+        <p:nvSpPr>
+          <p:cNvPr id="5" name="텍스트 상자 4"/>
+          <p:cNvSpPr txBox="1">
+            <a:spLocks/>
+          </p:cNvSpPr>
+          <p:nvPr/>
+        </p:nvSpPr>
+        <p:spPr>
+          <a:xfrm rot="0">
+            <a:off x="421640" y="6292215"/>
+            <a:ext cx="1452245" cy="278130"/>
+          </a:xfrm>
+          <a:prstGeom prst="rect"/>
+        </p:spPr>
+        <p:style>
+          <a:lnRef idx="1">
+            <a:schemeClr val="accent1"/>
+          </a:lnRef>
+          <a:fillRef idx="2">
+            <a:schemeClr val="accent1"/>
+          </a:fillRef>
+          <a:effectRef idx="1">
+            <a:schemeClr val="accent1"/>
+          </a:effectRef>
+          <a:fontRef idx="minor">
+            <a:schemeClr val="dk1"/>
+          </a:fontRef>
+        </p:style>
+        <p:txBody>
+          <a:bodyPr wrap="square" lIns="89535" tIns="46355" rIns="89535" bIns="46355" vert="horz" anchor="t">
+            <a:spAutoFit/>
+          </a:bodyPr>
+          <a:lstStyle/>
+          <a:p>
+            <a:pPr marL="0" indent="0" algn="l" fontAlgn="auto" defTabSz="508000">
+              <a:lnSpc>
+                <a:spcPct val="100000"/>
+              </a:lnSpc>
+              <a:spcBef>
+                <a:spcPts val="0"/>
+              </a:spcBef>
+              <a:spcAft>
+                <a:spcPts val="0"/>
+              </a:spcAft>
+              <a:buFontTx/>
+              <a:buNone/>
+            </a:pPr>
+            <a:r>
+              <a:rPr lang="en-US" altLang="ko-KR" sz="1200" cap="none" dirty="0" smtClean="0" b="0" strike="noStrike">
+                <a:latin typeface="맑은 고딕" charset="0"/>
+                <a:ea typeface="맑은 고딕" charset="0"/>
+              </a:rPr>
+              <a:t>대기중인 승객 수</a:t>
+            </a:r>
+            <a:endParaRPr lang="ko-KR" altLang="en-US" sz="1200" cap="none" dirty="0" smtClean="0" b="0" strike="noStrike">
+              <a:latin typeface="맑은 고딕" charset="0"/>
+              <a:ea typeface="맑은 고딕" charset="0"/>
+            </a:endParaRPr>
+          </a:p>
+        </p:txBody>
+      </p:sp>
+      <p:sp>
+        <p:nvSpPr>
+          <p:cNvPr id="6" name="텍스트 상자 5"/>
+          <p:cNvSpPr txBox="1">
+            <a:spLocks/>
+          </p:cNvSpPr>
+          <p:nvPr/>
+        </p:nvSpPr>
+        <p:spPr>
+          <a:xfrm rot="0">
+            <a:off x="178435" y="5547360"/>
+            <a:ext cx="942975" cy="278130"/>
+          </a:xfrm>
+          <a:prstGeom prst="rect"/>
+        </p:spPr>
+        <p:style>
+          <a:lnRef idx="1">
+            <a:schemeClr val="accent1"/>
+          </a:lnRef>
+          <a:fillRef idx="2">
+            <a:schemeClr val="accent1"/>
+          </a:fillRef>
+          <a:effectRef idx="1">
+            <a:schemeClr val="accent1"/>
+          </a:effectRef>
+          <a:fontRef idx="minor">
+            <a:schemeClr val="dk1"/>
+          </a:fontRef>
+        </p:style>
+        <p:txBody>
+          <a:bodyPr wrap="square" lIns="89535" tIns="46355" rIns="89535" bIns="46355" vert="horz" anchor="t">
+            <a:spAutoFit/>
+          </a:bodyPr>
+          <a:lstStyle/>
+          <a:p>
+            <a:pPr marL="0" indent="0" algn="l" fontAlgn="auto" defTabSz="508000">
+              <a:lnSpc>
+                <a:spcPct val="100000"/>
+              </a:lnSpc>
+              <a:spcBef>
+                <a:spcPts val="0"/>
+              </a:spcBef>
+              <a:spcAft>
+                <a:spcPts val="0"/>
+              </a:spcAft>
+              <a:buFontTx/>
+              <a:buNone/>
+            </a:pPr>
+            <a:r>
+              <a:rPr lang="en-US" altLang="ko-KR" sz="1200" cap="none" dirty="0" smtClean="0" b="0" strike="noStrike">
+                <a:latin typeface="맑은 고딕" charset="0"/>
+                <a:ea typeface="맑은 고딕" charset="0"/>
+              </a:rPr>
+              <a:t>요청 방향</a:t>
+            </a:r>
+            <a:endParaRPr lang="ko-KR" altLang="en-US" sz="1200" cap="none" dirty="0" smtClean="0" b="0" strike="noStrike">
+              <a:latin typeface="맑은 고딕" charset="0"/>
+              <a:ea typeface="맑은 고딕" charset="0"/>
+            </a:endParaRPr>
+          </a:p>
+        </p:txBody>
+      </p:sp>
+      <p:sp>
+        <p:nvSpPr>
+          <p:cNvPr id="7" name="텍스트 상자 6"/>
+          <p:cNvSpPr txBox="1">
+            <a:spLocks/>
+          </p:cNvSpPr>
+          <p:nvPr/>
+        </p:nvSpPr>
+        <p:spPr>
+          <a:xfrm rot="0">
+            <a:off x="3228340" y="5405120"/>
+            <a:ext cx="942975" cy="278130"/>
+          </a:xfrm>
+          <a:prstGeom prst="rect"/>
+        </p:spPr>
+        <p:style>
+          <a:lnRef idx="1">
+            <a:schemeClr val="accent1"/>
+          </a:lnRef>
+          <a:fillRef idx="2">
+            <a:schemeClr val="accent1"/>
+          </a:fillRef>
+          <a:effectRef idx="1">
+            <a:schemeClr val="accent1"/>
+          </a:effectRef>
+          <a:fontRef idx="minor">
+            <a:schemeClr val="dk1"/>
+          </a:fontRef>
+        </p:style>
+        <p:txBody>
+          <a:bodyPr wrap="square" lIns="89535" tIns="46355" rIns="89535" bIns="46355" vert="horz" anchor="t">
+            <a:spAutoFit/>
+          </a:bodyPr>
+          <a:lstStyle/>
+          <a:p>
+            <a:pPr marL="0" indent="0" algn="l" fontAlgn="auto" defTabSz="508000">
+              <a:lnSpc>
+                <a:spcPct val="100000"/>
+              </a:lnSpc>
+              <a:spcBef>
+                <a:spcPts val="0"/>
+              </a:spcBef>
+              <a:spcAft>
+                <a:spcPts val="0"/>
+              </a:spcAft>
+              <a:buFontTx/>
+              <a:buNone/>
+            </a:pPr>
+            <a:r>
+              <a:rPr lang="en-US" altLang="ko-KR" sz="1200" cap="none" dirty="0" smtClean="0" b="0" strike="noStrike">
+                <a:latin typeface="맑은 고딕" charset="0"/>
+                <a:ea typeface="맑은 고딕" charset="0"/>
+              </a:rPr>
+              <a:t>이동 방향</a:t>
+            </a:r>
+            <a:endParaRPr lang="ko-KR" altLang="en-US" sz="1200" cap="none" dirty="0" smtClean="0" b="0" strike="noStrike">
+              <a:latin typeface="맑은 고딕" charset="0"/>
+              <a:ea typeface="맑은 고딕" charset="0"/>
+            </a:endParaRPr>
+          </a:p>
+        </p:txBody>
+      </p:sp>
+      <p:sp>
+        <p:nvSpPr>
+          <p:cNvPr id="8" name="텍스트 상자 7"/>
+          <p:cNvSpPr txBox="1">
+            <a:spLocks/>
+          </p:cNvSpPr>
+          <p:nvPr/>
+        </p:nvSpPr>
+        <p:spPr>
+          <a:xfrm rot="0">
+            <a:off x="2924810" y="1418590"/>
+            <a:ext cx="1496060" cy="462915"/>
+          </a:xfrm>
+          <a:prstGeom prst="rect"/>
+        </p:spPr>
+        <p:style>
+          <a:lnRef idx="1">
+            <a:schemeClr val="accent1"/>
+          </a:lnRef>
+          <a:fillRef idx="2">
+            <a:schemeClr val="accent1"/>
+          </a:fillRef>
+          <a:effectRef idx="1">
+            <a:schemeClr val="accent1"/>
+          </a:effectRef>
+          <a:fontRef idx="minor">
+            <a:schemeClr val="dk1"/>
+          </a:fontRef>
+        </p:style>
+        <p:txBody>
+          <a:bodyPr wrap="square" lIns="89535" tIns="46355" rIns="89535" bIns="46355" vert="horz" anchor="t">
+            <a:spAutoFit/>
+          </a:bodyPr>
+          <a:lstStyle/>
+          <a:p>
+            <a:pPr marL="0" indent="0" algn="l" fontAlgn="auto" defTabSz="508000">
+              <a:lnSpc>
+                <a:spcPct val="100000"/>
+              </a:lnSpc>
+              <a:spcBef>
+                <a:spcPts val="0"/>
+              </a:spcBef>
+              <a:spcAft>
+                <a:spcPts val="0"/>
+              </a:spcAft>
+              <a:buFontTx/>
+              <a:buNone/>
+            </a:pPr>
+            <a:r>
+              <a:rPr lang="en-US" altLang="ko-KR" sz="1200" cap="none" dirty="0" smtClean="0" b="0" strike="noStrike">
+                <a:latin typeface="맑은 고딕" charset="0"/>
+                <a:ea typeface="맑은 고딕" charset="0"/>
+              </a:rPr>
+              <a:t>엘레베이터 안에서 누른 버튼 상황</a:t>
+            </a:r>
+            <a:endParaRPr lang="ko-KR" altLang="en-US" sz="1200" cap="none" dirty="0" smtClean="0" b="0" strike="noStrike">
+              <a:latin typeface="맑은 고딕" charset="0"/>
+              <a:ea typeface="맑은 고딕" charset="0"/>
+            </a:endParaRPr>
+          </a:p>
+        </p:txBody>
+      </p:sp>
+      <p:sp>
+        <p:nvSpPr>
+          <p:cNvPr id="9" name="텍스트 상자 8"/>
+          <p:cNvSpPr txBox="1">
+            <a:spLocks/>
+          </p:cNvSpPr>
+          <p:nvPr/>
+        </p:nvSpPr>
+        <p:spPr>
+          <a:xfrm rot="0">
+            <a:off x="2734945" y="6294755"/>
+            <a:ext cx="1452245" cy="278130"/>
+          </a:xfrm>
+          <a:prstGeom prst="rect"/>
+        </p:spPr>
+        <p:style>
+          <a:lnRef idx="1">
+            <a:schemeClr val="accent1"/>
+          </a:lnRef>
+          <a:fillRef idx="2">
+            <a:schemeClr val="accent1"/>
+          </a:fillRef>
+          <a:effectRef idx="1">
+            <a:schemeClr val="accent1"/>
+          </a:effectRef>
+          <a:fontRef idx="minor">
+            <a:schemeClr val="dk1"/>
+          </a:fontRef>
+        </p:style>
+        <p:txBody>
+          <a:bodyPr wrap="square" lIns="89535" tIns="46355" rIns="89535" bIns="46355" vert="horz" anchor="t">
+            <a:spAutoFit/>
+          </a:bodyPr>
+          <a:lstStyle/>
+          <a:p>
+            <a:pPr marL="0" indent="0" algn="l" fontAlgn="auto" defTabSz="508000">
+              <a:lnSpc>
+                <a:spcPct val="100000"/>
+              </a:lnSpc>
+              <a:spcBef>
+                <a:spcPts val="0"/>
+              </a:spcBef>
+              <a:spcAft>
+                <a:spcPts val="0"/>
+              </a:spcAft>
+              <a:buFontTx/>
+              <a:buNone/>
+            </a:pPr>
+            <a:r>
+              <a:rPr lang="en-US" altLang="ko-KR" sz="1200" cap="none" dirty="0" smtClean="0" b="0" strike="noStrike">
+                <a:latin typeface="맑은 고딕" charset="0"/>
+                <a:ea typeface="맑은 고딕" charset="0"/>
+              </a:rPr>
+              <a:t>탑승 승객 수</a:t>
+            </a:r>
+            <a:endParaRPr lang="ko-KR" altLang="en-US" sz="1200" cap="none" dirty="0" smtClean="0" b="0" strike="noStrike">
+              <a:latin typeface="맑은 고딕" charset="0"/>
+              <a:ea typeface="맑은 고딕" charset="0"/>
+            </a:endParaRPr>
+          </a:p>
+        </p:txBody>
+      </p:sp>
+      <p:cxnSp>
+        <p:nvCxnSpPr>
+          <p:cNvPr id="10" name="도형 9"/>
+          <p:cNvCxnSpPr>
+            <a:endCxn id="6" idx="3"/>
+          </p:cNvCxnSpPr>
+          <p:nvPr/>
+        </p:nvCxnSpPr>
+        <p:spPr>
+          <a:xfrm rot="0" flipH="1">
+            <a:off x="1120775" y="5668010"/>
+            <a:ext cx="828040" cy="19050"/>
+          </a:xfrm>
+          <a:prstGeom prst="straightConnector1"/>
+          <a:ln w="19050" cap="flat" cmpd="sng">
+            <a:solidFill>
+              <a:schemeClr val="accent1">
+                <a:alpha val="100000"/>
+              </a:schemeClr>
+            </a:solidFill>
+            <a:prstDash val="solid"/>
+            <a:miter lim="800000"/>
+            <a:headEnd type="none" w="med" len="med"/>
+            <a:tailEnd type="triangle" w="med" len="med"/>
+          </a:ln>
+        </p:spPr>
+        <p:style>
+          <a:lnRef idx="1">
+            <a:schemeClr val="accent1"/>
+          </a:lnRef>
+          <a:fillRef idx="0">
+            <a:schemeClr val="accent1"/>
+          </a:fillRef>
+          <a:effectRef idx="0">
+            <a:schemeClr val="accent1"/>
+          </a:effectRef>
+          <a:fontRef idx="minor">
+            <a:schemeClr val="tx1"/>
+          </a:fontRef>
+        </p:style>
+      </p:cxnSp>
+      <p:cxnSp>
+        <p:nvCxnSpPr>
+          <p:cNvPr id="13" name="도형 12"/>
+          <p:cNvCxnSpPr>
+            <a:endCxn id="5" idx="0"/>
+          </p:cNvCxnSpPr>
+          <p:nvPr/>
+        </p:nvCxnSpPr>
+        <p:spPr>
+          <a:xfrm rot="0" flipH="1">
+            <a:off x="1147445" y="5774055"/>
+            <a:ext cx="899160" cy="518795"/>
+          </a:xfrm>
+          <a:prstGeom prst="straightConnector1"/>
+          <a:ln w="19050" cap="flat" cmpd="sng">
+            <a:solidFill>
+              <a:schemeClr val="accent1">
+                <a:alpha val="100000"/>
+              </a:schemeClr>
+            </a:solidFill>
+            <a:prstDash val="solid"/>
+            <a:miter lim="800000"/>
+            <a:headEnd type="none" w="med" len="med"/>
+            <a:tailEnd type="triangle" w="med" len="med"/>
+          </a:ln>
+        </p:spPr>
+        <p:style>
+          <a:lnRef idx="1">
+            <a:schemeClr val="accent1"/>
+          </a:lnRef>
+          <a:fillRef idx="0">
+            <a:schemeClr val="accent1"/>
+          </a:fillRef>
+          <a:effectRef idx="0">
+            <a:schemeClr val="accent1"/>
+          </a:effectRef>
+          <a:fontRef idx="minor">
+            <a:schemeClr val="tx1"/>
+          </a:fontRef>
+        </p:style>
+      </p:cxnSp>
+      <p:cxnSp>
+        <p:nvCxnSpPr>
+          <p:cNvPr id="14" name="도형 13"/>
+          <p:cNvCxnSpPr>
+            <a:endCxn id="9" idx="0"/>
+          </p:cNvCxnSpPr>
+          <p:nvPr/>
+        </p:nvCxnSpPr>
+        <p:spPr>
+          <a:xfrm rot="0">
+            <a:off x="2792730" y="5719445"/>
+            <a:ext cx="668655" cy="575945"/>
+          </a:xfrm>
+          <a:prstGeom prst="straightConnector1"/>
+          <a:ln w="19050" cap="flat" cmpd="sng">
+            <a:solidFill>
+              <a:schemeClr val="accent1">
+                <a:alpha val="100000"/>
+              </a:schemeClr>
+            </a:solidFill>
+            <a:prstDash val="solid"/>
+            <a:miter lim="800000"/>
+            <a:headEnd type="none" w="med" len="med"/>
+            <a:tailEnd type="triangle" w="med" len="med"/>
+          </a:ln>
+        </p:spPr>
+        <p:style>
+          <a:lnRef idx="1">
+            <a:schemeClr val="accent1"/>
+          </a:lnRef>
+          <a:fillRef idx="0">
+            <a:schemeClr val="accent1"/>
+          </a:fillRef>
+          <a:effectRef idx="0">
+            <a:schemeClr val="accent1"/>
+          </a:effectRef>
+          <a:fontRef idx="minor">
+            <a:schemeClr val="tx1"/>
+          </a:fontRef>
+        </p:style>
+      </p:cxnSp>
+      <p:cxnSp>
+        <p:nvCxnSpPr>
+          <p:cNvPr id="15" name="도형 14"/>
+          <p:cNvCxnSpPr>
+            <a:endCxn id="7" idx="1"/>
+          </p:cNvCxnSpPr>
+          <p:nvPr/>
+        </p:nvCxnSpPr>
+        <p:spPr>
+          <a:xfrm rot="0" flipV="1">
+            <a:off x="2847340" y="5544185"/>
+            <a:ext cx="381635" cy="48260"/>
+          </a:xfrm>
+          <a:prstGeom prst="straightConnector1"/>
+          <a:ln w="19050" cap="flat" cmpd="sng">
+            <a:solidFill>
+              <a:schemeClr val="accent1">
+                <a:alpha val="100000"/>
+              </a:schemeClr>
+            </a:solidFill>
+            <a:prstDash val="solid"/>
+            <a:miter lim="800000"/>
+            <a:headEnd type="none" w="med" len="med"/>
+            <a:tailEnd type="triangle" w="med" len="med"/>
+          </a:ln>
+        </p:spPr>
+        <p:style>
+          <a:lnRef idx="1">
+            <a:schemeClr val="accent1"/>
+          </a:lnRef>
+          <a:fillRef idx="0">
+            <a:schemeClr val="accent1"/>
+          </a:fillRef>
+          <a:effectRef idx="0">
+            <a:schemeClr val="accent1"/>
+          </a:effectRef>
+          <a:fontRef idx="minor">
+            <a:schemeClr val="tx1"/>
+          </a:fontRef>
+        </p:style>
+      </p:cxnSp>
+      <p:sp>
+        <p:nvSpPr>
+          <p:cNvPr id="16" name="도형 15"/>
+          <p:cNvSpPr>
+            <a:spLocks/>
+          </p:cNvSpPr>
+          <p:nvPr/>
+        </p:nvSpPr>
+        <p:spPr>
+          <a:xfrm rot="0">
+            <a:off x="2823210" y="2070100"/>
+            <a:ext cx="207010" cy="3613785"/>
+          </a:xfrm>
+          <a:prstGeom prst="ellipse"/>
+          <a:noFill/>
+        </p:spPr>
+        <p:style>
+          <a:lnRef idx="2">
+            <a:schemeClr val="accent4"/>
+          </a:lnRef>
+          <a:fillRef idx="1">
+            <a:schemeClr val="lt1"/>
+          </a:fillRef>
+          <a:effectRef idx="0">
+            <a:schemeClr val="accent4"/>
+          </a:effectRef>
+          <a:fontRef idx="minor">
+            <a:schemeClr val="dk1"/>
+          </a:fontRef>
+        </p:style>
+        <p:txBody>
+          <a:bodyPr wrap="square" lIns="91440" tIns="45720" rIns="91440" bIns="45720" vert="horz" anchor="ctr">
+            <a:noAutofit/>
+          </a:bodyPr>
+          <a:lstStyle/>
+          <a:p>
+            <a:pPr marL="0" indent="0" algn="ctr" fontAlgn="auto" defTabSz="508000">
+              <a:lnSpc>
+                <a:spcPct val="100000"/>
+              </a:lnSpc>
+              <a:spcBef>
+                <a:spcPts val="0"/>
+              </a:spcBef>
+              <a:spcAft>
+                <a:spcPts val="0"/>
+              </a:spcAft>
+              <a:buFontTx/>
+              <a:buNone/>
+            </a:pPr>
+            <a:endParaRPr lang="ko-KR" altLang="en-US" sz="1800" cap="none" dirty="0" smtClean="0" b="0" strike="noStrike">
+              <a:latin typeface="맑은 고딕" charset="0"/>
+              <a:ea typeface="맑은 고딕" charset="0"/>
+            </a:endParaRPr>
+          </a:p>
+        </p:txBody>
+      </p:sp>
+      <p:cxnSp>
+        <p:nvCxnSpPr>
+          <p:cNvPr id="17" name="도형 16"/>
+          <p:cNvCxnSpPr>
+            <a:endCxn id="8" idx="2"/>
+          </p:cNvCxnSpPr>
+          <p:nvPr/>
+        </p:nvCxnSpPr>
+        <p:spPr>
+          <a:xfrm rot="0" flipV="1">
+            <a:off x="2999105" y="1880870"/>
+            <a:ext cx="674370" cy="494029"/>
+          </a:xfrm>
+          <a:prstGeom prst="straightConnector1"/>
+          <a:ln w="19050" cap="flat" cmpd="sng">
+            <a:solidFill>
+              <a:schemeClr val="accent1">
+                <a:alpha val="100000"/>
+              </a:schemeClr>
+            </a:solidFill>
+            <a:prstDash val="solid"/>
+            <a:miter lim="800000"/>
+            <a:headEnd type="none" w="med" len="med"/>
+            <a:tailEnd type="triangle" w="med" len="med"/>
+          </a:ln>
+        </p:spPr>
+        <p:style>
+          <a:lnRef idx="1">
+            <a:schemeClr val="accent1"/>
+          </a:lnRef>
+          <a:fillRef idx="0">
+            <a:schemeClr val="accent1"/>
+          </a:fillRef>
+          <a:effectRef idx="0">
+            <a:schemeClr val="accent1"/>
+          </a:effectRef>
+          <a:fontRef idx="minor">
+            <a:schemeClr val="tx1"/>
+          </a:fontRef>
+        </p:style>
+      </p:cxnSp>
     </p:spTree>
   </p:cSld>
   <p:clrMapOvr>
@@ -8748,11 +10676,18 @@
       <p:transition spd="slow"/>
     </mc:Fallback>
   </mc:AlternateContent>
+  <p:timing>
+    <p:tnLst>
+      <p:par>
+        <p:cTn id="1" dur="indefinite" restart="never" nodeType="tmRoot"/>
+      </p:par>
+    </p:tnLst>
+  </p:timing>
 </p:sld>
 </file>
 
 <file path=ppt/slides/slide7.xml><?xml version="1.0" encoding="utf-8"?>
-<p:sld xmlns:a="http://schemas.openxmlformats.org/drawingml/2006/main" xmlns:r="http://schemas.openxmlformats.org/officeDocument/2006/relationships" xmlns:p="http://schemas.openxmlformats.org/presentationml/2006/main">
+<p:sld xmlns:a="http://schemas.openxmlformats.org/drawingml/2006/main" xmlns:r="http://schemas.openxmlformats.org/officeDocument/2006/relationships" xmlns:p="http://schemas.openxmlformats.org/presentationml/2006/main" xmlns:p14="http://schemas.microsoft.com/office/powerpoint/2010/main">
   <p:cSld>
     <p:spTree>
       <p:nvGrpSpPr>
@@ -8835,14 +10770,14 @@
           </p:nvPr>
         </p:nvSpPr>
         <p:spPr>
-          <a:xfrm rot="0">
+          <a:xfrm>
             <a:off x="609600" y="1600200"/>
-            <a:ext cx="10974070" cy="4527550"/>
+            <a:ext cx="10974705" cy="4528185"/>
           </a:xfrm>
           <a:prstGeom prst="rect"/>
         </p:spPr>
         <p:txBody>
-          <a:bodyPr wrap="square" lIns="91440" tIns="45720" rIns="91440" bIns="45720" vert="horz" anchor="t">
+          <a:bodyPr wrap="square" lIns="91440" tIns="45720" rIns="91440" bIns="45720" numCol="1" vert="horz" anchor="t">
             <a:normAutofit fontScale="100000" lnSpcReduction="0"/>
           </a:bodyPr>
           <a:lstStyle/>
@@ -8868,7 +10803,7 @@
                 <a:latin typeface="맑은 고딕" charset="0"/>
                 <a:ea typeface="맑은 고딕" charset="0"/>
               </a:rPr>
-              <a:t>1. 단일 에이전트 Scene 구성</a:t>
+              <a:t>1. 단일 에이전트 Scene 구성(현재 멀티에인전트씬만 구성된 상태)</a:t>
             </a:r>
             <a:endParaRPr lang="ko-KR" altLang="en-US" sz="2800" cap="none" dirty="0" smtClean="0" b="0" strike="noStrike">
               <a:solidFill>
@@ -8932,7 +10867,7 @@
                 <a:latin typeface="맑은 고딕" charset="0"/>
                 <a:ea typeface="맑은 고딕" charset="0"/>
               </a:rPr>
-              <a:t>3. Action 정의</a:t>
+              <a:t>3. Action 정의(현재 멈춤,위로 이동, 아래로 이동)</a:t>
             </a:r>
             <a:endParaRPr lang="ko-KR" altLang="en-US" sz="2800" cap="none" dirty="0" smtClean="0" b="0" strike="noStrike">
               <a:solidFill>
@@ -9055,6 +10990,13 @@
       <p:transition spd="slow"/>
     </mc:Fallback>
   </mc:AlternateContent>
+  <p:timing>
+    <p:tnLst>
+      <p:par>
+        <p:cTn id="1" dur="indefinite" restart="never" nodeType="tmRoot"/>
+      </p:par>
+    </p:tnLst>
+  </p:timing>
 </p:sld>
 </file>
 
